--- a/6-neon/3DLetter.pptx
+++ b/6-neon/3DLetter.pptx
@@ -121,7 +121,7 @@
   </p:defaultTextStyle>
   <p:extLst>
     <p:ext uri="{EFAFB233-063F-42B5-8137-9DF3F51BA10A}">
-      <p15:sldGuideLst xmlns="" xmlns:p15="http://schemas.microsoft.com/office/powerpoint/2012/main">
+      <p15:sldGuideLst xmlns:p15="http://schemas.microsoft.com/office/powerpoint/2012/main" xmlns="">
         <p15:guide id="1" orient="horz" pos="2160">
           <p15:clr>
             <a:srgbClr val="A4A3A4"/>
@@ -319,7 +319,7 @@
           <a:p>
             <a:fld id="{17C7C8FB-1C37-4023-AA22-09D5A8E13DCF}" type="datetimeFigureOut">
               <a:rPr lang="zh-CN" altLang="en-US" smtClean="0"/>
-              <a:t>2018/5/10</a:t>
+              <a:t>2018/5/22</a:t>
             </a:fld>
             <a:endParaRPr lang="zh-CN" altLang="en-US"/>
           </a:p>
@@ -489,7 +489,7 @@
           <a:p>
             <a:fld id="{17C7C8FB-1C37-4023-AA22-09D5A8E13DCF}" type="datetimeFigureOut">
               <a:rPr lang="zh-CN" altLang="en-US" smtClean="0"/>
-              <a:t>2018/5/10</a:t>
+              <a:t>2018/5/22</a:t>
             </a:fld>
             <a:endParaRPr lang="zh-CN" altLang="en-US"/>
           </a:p>
@@ -669,7 +669,7 @@
           <a:p>
             <a:fld id="{17C7C8FB-1C37-4023-AA22-09D5A8E13DCF}" type="datetimeFigureOut">
               <a:rPr lang="zh-CN" altLang="en-US" smtClean="0"/>
-              <a:t>2018/5/10</a:t>
+              <a:t>2018/5/22</a:t>
             </a:fld>
             <a:endParaRPr lang="zh-CN" altLang="en-US"/>
           </a:p>
@@ -839,7 +839,7 @@
           <a:p>
             <a:fld id="{17C7C8FB-1C37-4023-AA22-09D5A8E13DCF}" type="datetimeFigureOut">
               <a:rPr lang="zh-CN" altLang="en-US" smtClean="0"/>
-              <a:t>2018/5/10</a:t>
+              <a:t>2018/5/22</a:t>
             </a:fld>
             <a:endParaRPr lang="zh-CN" altLang="en-US"/>
           </a:p>
@@ -1085,7 +1085,7 @@
           <a:p>
             <a:fld id="{17C7C8FB-1C37-4023-AA22-09D5A8E13DCF}" type="datetimeFigureOut">
               <a:rPr lang="zh-CN" altLang="en-US" smtClean="0"/>
-              <a:t>2018/5/10</a:t>
+              <a:t>2018/5/22</a:t>
             </a:fld>
             <a:endParaRPr lang="zh-CN" altLang="en-US"/>
           </a:p>
@@ -1373,7 +1373,7 @@
           <a:p>
             <a:fld id="{17C7C8FB-1C37-4023-AA22-09D5A8E13DCF}" type="datetimeFigureOut">
               <a:rPr lang="zh-CN" altLang="en-US" smtClean="0"/>
-              <a:t>2018/5/10</a:t>
+              <a:t>2018/5/22</a:t>
             </a:fld>
             <a:endParaRPr lang="zh-CN" altLang="en-US"/>
           </a:p>
@@ -1795,7 +1795,7 @@
           <a:p>
             <a:fld id="{17C7C8FB-1C37-4023-AA22-09D5A8E13DCF}" type="datetimeFigureOut">
               <a:rPr lang="zh-CN" altLang="en-US" smtClean="0"/>
-              <a:t>2018/5/10</a:t>
+              <a:t>2018/5/22</a:t>
             </a:fld>
             <a:endParaRPr lang="zh-CN" altLang="en-US"/>
           </a:p>
@@ -1913,7 +1913,7 @@
           <a:p>
             <a:fld id="{17C7C8FB-1C37-4023-AA22-09D5A8E13DCF}" type="datetimeFigureOut">
               <a:rPr lang="zh-CN" altLang="en-US" smtClean="0"/>
-              <a:t>2018/5/10</a:t>
+              <a:t>2018/5/22</a:t>
             </a:fld>
             <a:endParaRPr lang="zh-CN" altLang="en-US"/>
           </a:p>
@@ -2008,7 +2008,7 @@
           <a:p>
             <a:fld id="{17C7C8FB-1C37-4023-AA22-09D5A8E13DCF}" type="datetimeFigureOut">
               <a:rPr lang="zh-CN" altLang="en-US" smtClean="0"/>
-              <a:t>2018/5/10</a:t>
+              <a:t>2018/5/22</a:t>
             </a:fld>
             <a:endParaRPr lang="zh-CN" altLang="en-US"/>
           </a:p>
@@ -2285,7 +2285,7 @@
           <a:p>
             <a:fld id="{17C7C8FB-1C37-4023-AA22-09D5A8E13DCF}" type="datetimeFigureOut">
               <a:rPr lang="zh-CN" altLang="en-US" smtClean="0"/>
-              <a:t>2018/5/10</a:t>
+              <a:t>2018/5/22</a:t>
             </a:fld>
             <a:endParaRPr lang="zh-CN" altLang="en-US"/>
           </a:p>
@@ -2538,7 +2538,7 @@
           <a:p>
             <a:fld id="{17C7C8FB-1C37-4023-AA22-09D5A8E13DCF}" type="datetimeFigureOut">
               <a:rPr lang="zh-CN" altLang="en-US" smtClean="0"/>
-              <a:t>2018/5/10</a:t>
+              <a:t>2018/5/22</a:t>
             </a:fld>
             <a:endParaRPr lang="zh-CN" altLang="en-US"/>
           </a:p>
@@ -2751,7 +2751,7 @@
           <a:p>
             <a:fld id="{17C7C8FB-1C37-4023-AA22-09D5A8E13DCF}" type="datetimeFigureOut">
               <a:rPr lang="zh-CN" altLang="en-US" smtClean="0"/>
-              <a:t>2018/5/10</a:t>
+              <a:t>2018/5/22</a:t>
             </a:fld>
             <a:endParaRPr lang="zh-CN" altLang="en-US"/>
           </a:p>
@@ -3249,7 +3249,7 @@
                 <a:latin typeface="微软雅黑" pitchFamily="34" charset="-122"/>
                 <a:ea typeface="微软雅黑" pitchFamily="34" charset="-122"/>
               </a:rPr>
-              <a:t>5</a:t>
+              <a:t>6</a:t>
             </a:r>
             <a:r>
               <a:rPr lang="zh-CN" altLang="en-US" sz="3200" dirty="0" smtClean="0">
@@ -3262,7 +3262,20 @@
                 <a:latin typeface="微软雅黑" pitchFamily="34" charset="-122"/>
                 <a:ea typeface="微软雅黑" pitchFamily="34" charset="-122"/>
               </a:rPr>
-              <a:t>讲  翻折的字母</a:t>
+              <a:t>讲  </a:t>
+            </a:r>
+            <a:r>
+              <a:rPr lang="zh-CN" altLang="en-US" sz="3200" dirty="0">
+                <a:solidFill>
+                  <a:schemeClr val="tx1">
+                    <a:lumMod val="75000"/>
+                    <a:lumOff val="25000"/>
+                  </a:schemeClr>
+                </a:solidFill>
+                <a:latin typeface="微软雅黑" pitchFamily="34" charset="-122"/>
+                <a:ea typeface="微软雅黑" pitchFamily="34" charset="-122"/>
+              </a:rPr>
+              <a:t>霓虹灯</a:t>
             </a:r>
             <a:r>
               <a:rPr lang="en-US" altLang="zh-CN" dirty="0" smtClean="0">
@@ -6498,91 +6511,9 @@
                 <a:latin typeface="微软雅黑" pitchFamily="34" charset="-122"/>
                 <a:ea typeface="微软雅黑" pitchFamily="34" charset="-122"/>
               </a:rPr>
-              <a:t>翻</a:t>
-            </a:r>
-            <a:r>
-              <a:rPr lang="zh-CN" altLang="en-US" sz="2800" dirty="0">
-                <a:solidFill>
-                  <a:schemeClr val="tx1">
-                    <a:lumMod val="75000"/>
-                    <a:lumOff val="25000"/>
-                  </a:schemeClr>
-                </a:solidFill>
-                <a:latin typeface="微软雅黑" pitchFamily="34" charset="-122"/>
-                <a:ea typeface="微软雅黑" pitchFamily="34" charset="-122"/>
-              </a:rPr>
-              <a:t>折的字母</a:t>
-            </a:r>
-          </a:p>
-        </p:txBody>
-      </p:sp>
-      <p:sp>
-        <p:nvSpPr>
-          <p:cNvPr id="2" name="TextBox 1"/>
-          <p:cNvSpPr txBox="1"/>
-          <p:nvPr/>
-        </p:nvSpPr>
-        <p:spPr>
-          <a:xfrm>
-            <a:off x="611560" y="1268760"/>
-            <a:ext cx="7128792" cy="1938992"/>
-          </a:xfrm>
-          <a:prstGeom prst="rect">
-            <a:avLst/>
-          </a:prstGeom>
-          <a:noFill/>
-        </p:spPr>
-        <p:txBody>
-          <a:bodyPr wrap="square" rtlCol="0">
-            <a:spAutoFit/>
-          </a:bodyPr>
-          <a:lstStyle/>
-          <a:p>
-            <a:pPr>
-              <a:lnSpc>
-                <a:spcPct val="150000"/>
-              </a:lnSpc>
-            </a:pPr>
-            <a:r>
-              <a:rPr lang="zh-CN" altLang="en-US" sz="2000" dirty="0" smtClean="0">
-                <a:solidFill>
-                  <a:schemeClr val="tx1">
-                    <a:lumMod val="75000"/>
-                    <a:lumOff val="25000"/>
-                  </a:schemeClr>
-                </a:solidFill>
-                <a:latin typeface="微软雅黑" pitchFamily="34" charset="-122"/>
-                <a:ea typeface="微软雅黑" pitchFamily="34" charset="-122"/>
-              </a:rPr>
-              <a:t>本期我们要实现一个翻折字母的效果，看上去好像是纸板上剪纸剪出的字母形状，鼠标悬浮时可以翻转，翻转的部分具有投影，纸板被剪掉</a:t>
-            </a:r>
-            <a:r>
-              <a:rPr lang="zh-CN" altLang="en-US" sz="2000" dirty="0">
-                <a:solidFill>
-                  <a:schemeClr val="tx1">
-                    <a:lumMod val="75000"/>
-                    <a:lumOff val="25000"/>
-                  </a:schemeClr>
-                </a:solidFill>
-                <a:latin typeface="微软雅黑" pitchFamily="34" charset="-122"/>
-                <a:ea typeface="微软雅黑" pitchFamily="34" charset="-122"/>
-              </a:rPr>
-              <a:t>而</a:t>
-            </a:r>
-            <a:r>
-              <a:rPr lang="zh-CN" altLang="en-US" sz="2000" dirty="0" smtClean="0">
-                <a:solidFill>
-                  <a:schemeClr val="tx1">
-                    <a:lumMod val="75000"/>
-                    <a:lumOff val="25000"/>
-                  </a:schemeClr>
-                </a:solidFill>
-                <a:latin typeface="微软雅黑" pitchFamily="34" charset="-122"/>
-                <a:ea typeface="微软雅黑" pitchFamily="34" charset="-122"/>
-              </a:rPr>
-              <a:t>镂空部分，露出不一样的底色，看上去更加真实！</a:t>
-            </a:r>
-            <a:endParaRPr lang="en-US" altLang="zh-CN" sz="2000" dirty="0" smtClean="0">
+              <a:t>霓虹灯</a:t>
+            </a:r>
+            <a:endParaRPr lang="zh-CN" altLang="en-US" sz="2800" dirty="0">
               <a:solidFill>
                 <a:schemeClr val="tx1">
                   <a:lumMod val="75000"/>
@@ -6595,16 +6526,293 @@
           </a:p>
         </p:txBody>
       </p:sp>
+      <p:sp>
+        <p:nvSpPr>
+          <p:cNvPr id="2" name="TextBox 1"/>
+          <p:cNvSpPr txBox="1"/>
+          <p:nvPr/>
+        </p:nvSpPr>
+        <p:spPr>
+          <a:xfrm>
+            <a:off x="611560" y="1124744"/>
+            <a:ext cx="7416824" cy="2308324"/>
+          </a:xfrm>
+          <a:prstGeom prst="rect">
+            <a:avLst/>
+          </a:prstGeom>
+          <a:noFill/>
+        </p:spPr>
+        <p:txBody>
+          <a:bodyPr wrap="square" rtlCol="0">
+            <a:spAutoFit/>
+          </a:bodyPr>
+          <a:lstStyle/>
+          <a:p>
+            <a:pPr>
+              <a:lnSpc>
+                <a:spcPct val="150000"/>
+              </a:lnSpc>
+            </a:pPr>
+            <a:r>
+              <a:rPr lang="zh-CN" altLang="en-US" sz="2400" dirty="0" smtClean="0">
+                <a:solidFill>
+                  <a:schemeClr val="tx1">
+                    <a:lumMod val="75000"/>
+                    <a:lumOff val="25000"/>
+                  </a:schemeClr>
+                </a:solidFill>
+                <a:latin typeface="微软雅黑" pitchFamily="34" charset="-122"/>
+                <a:ea typeface="微软雅黑" pitchFamily="34" charset="-122"/>
+              </a:rPr>
+              <a:t>本期我们</a:t>
+            </a:r>
+            <a:r>
+              <a:rPr lang="zh-CN" altLang="en-US" sz="2400" dirty="0" smtClean="0">
+                <a:solidFill>
+                  <a:schemeClr val="tx1">
+                    <a:lumMod val="75000"/>
+                    <a:lumOff val="25000"/>
+                  </a:schemeClr>
+                </a:solidFill>
+                <a:latin typeface="微软雅黑" pitchFamily="34" charset="-122"/>
+                <a:ea typeface="微软雅黑" pitchFamily="34" charset="-122"/>
+              </a:rPr>
+              <a:t>要</a:t>
+            </a:r>
+            <a:r>
+              <a:rPr lang="zh-CN" altLang="en-US" sz="2400" dirty="0" smtClean="0">
+                <a:solidFill>
+                  <a:schemeClr val="tx1">
+                    <a:lumMod val="75000"/>
+                    <a:lumOff val="25000"/>
+                  </a:schemeClr>
+                </a:solidFill>
+                <a:latin typeface="微软雅黑" pitchFamily="34" charset="-122"/>
+                <a:ea typeface="微软雅黑" pitchFamily="34" charset="-122"/>
+              </a:rPr>
+              <a:t>实现一个开关控制的霓虹灯，难度系数</a:t>
+            </a:r>
+            <a:r>
+              <a:rPr lang="en-US" altLang="zh-CN" sz="2400" dirty="0">
+                <a:solidFill>
+                  <a:schemeClr val="tx1">
+                    <a:lumMod val="75000"/>
+                    <a:lumOff val="25000"/>
+                  </a:schemeClr>
+                </a:solidFill>
+                <a:latin typeface="微软雅黑" pitchFamily="34" charset="-122"/>
+                <a:ea typeface="微软雅黑" pitchFamily="34" charset="-122"/>
+              </a:rPr>
+              <a:t>2</a:t>
+            </a:r>
+            <a:r>
+              <a:rPr lang="en-US" altLang="zh-CN" sz="2400" dirty="0" smtClean="0">
+                <a:solidFill>
+                  <a:schemeClr val="tx1">
+                    <a:lumMod val="75000"/>
+                    <a:lumOff val="25000"/>
+                  </a:schemeClr>
+                </a:solidFill>
+                <a:latin typeface="微软雅黑" pitchFamily="34" charset="-122"/>
+                <a:ea typeface="微软雅黑" pitchFamily="34" charset="-122"/>
+              </a:rPr>
+              <a:t>.0</a:t>
+            </a:r>
+          </a:p>
+          <a:p>
+            <a:pPr>
+              <a:lnSpc>
+                <a:spcPct val="150000"/>
+              </a:lnSpc>
+            </a:pPr>
+            <a:r>
+              <a:rPr lang="zh-CN" altLang="en-US" sz="2400" dirty="0" smtClean="0">
+                <a:solidFill>
+                  <a:schemeClr val="tx1">
+                    <a:lumMod val="75000"/>
+                    <a:lumOff val="25000"/>
+                  </a:schemeClr>
+                </a:solidFill>
+                <a:latin typeface="微软雅黑" pitchFamily="34" charset="-122"/>
+                <a:ea typeface="微软雅黑" pitchFamily="34" charset="-122"/>
+              </a:rPr>
+              <a:t>该动画使用纯</a:t>
+            </a:r>
+            <a:r>
+              <a:rPr lang="en-US" altLang="zh-CN" sz="2400" dirty="0" err="1" smtClean="0">
+                <a:solidFill>
+                  <a:schemeClr val="tx1">
+                    <a:lumMod val="75000"/>
+                    <a:lumOff val="25000"/>
+                  </a:schemeClr>
+                </a:solidFill>
+                <a:latin typeface="微软雅黑" pitchFamily="34" charset="-122"/>
+                <a:ea typeface="微软雅黑" pitchFamily="34" charset="-122"/>
+              </a:rPr>
+              <a:t>css</a:t>
+            </a:r>
+            <a:r>
+              <a:rPr lang="zh-CN" altLang="en-US" sz="2400" dirty="0" smtClean="0">
+                <a:solidFill>
+                  <a:schemeClr val="tx1">
+                    <a:lumMod val="75000"/>
+                    <a:lumOff val="25000"/>
+                  </a:schemeClr>
+                </a:solidFill>
+                <a:latin typeface="微软雅黑" pitchFamily="34" charset="-122"/>
+                <a:ea typeface="微软雅黑" pitchFamily="34" charset="-122"/>
+              </a:rPr>
+              <a:t>实现，没有使用</a:t>
+            </a:r>
+            <a:r>
+              <a:rPr lang="en-US" altLang="zh-CN" sz="2400" dirty="0" err="1" smtClean="0">
+                <a:solidFill>
+                  <a:schemeClr val="tx1">
+                    <a:lumMod val="75000"/>
+                    <a:lumOff val="25000"/>
+                  </a:schemeClr>
+                </a:solidFill>
+                <a:latin typeface="微软雅黑" pitchFamily="34" charset="-122"/>
+                <a:ea typeface="微软雅黑" pitchFamily="34" charset="-122"/>
+              </a:rPr>
+              <a:t>js</a:t>
+            </a:r>
+            <a:r>
+              <a:rPr lang="en-US" altLang="zh-CN" sz="2400" dirty="0">
+                <a:solidFill>
+                  <a:schemeClr val="tx1">
+                    <a:lumMod val="75000"/>
+                    <a:lumOff val="25000"/>
+                  </a:schemeClr>
+                </a:solidFill>
+                <a:latin typeface="微软雅黑" pitchFamily="34" charset="-122"/>
+                <a:ea typeface="微软雅黑" pitchFamily="34" charset="-122"/>
+              </a:rPr>
+              <a:t>.</a:t>
+            </a:r>
+            <a:r>
+              <a:rPr lang="zh-CN" altLang="en-US" sz="2400" dirty="0" smtClean="0">
+                <a:solidFill>
+                  <a:schemeClr val="tx1">
+                    <a:lumMod val="75000"/>
+                    <a:lumOff val="25000"/>
+                  </a:schemeClr>
+                </a:solidFill>
+                <a:latin typeface="微软雅黑" pitchFamily="34" charset="-122"/>
+                <a:ea typeface="微软雅黑" pitchFamily="34" charset="-122"/>
+              </a:rPr>
+              <a:t>通过渐变背景</a:t>
+            </a:r>
+            <a:r>
+              <a:rPr lang="zh-CN" altLang="en-US" sz="2400" dirty="0">
+                <a:solidFill>
+                  <a:schemeClr val="tx1">
+                    <a:lumMod val="75000"/>
+                    <a:lumOff val="25000"/>
+                  </a:schemeClr>
+                </a:solidFill>
+                <a:latin typeface="微软雅黑" pitchFamily="34" charset="-122"/>
+                <a:ea typeface="微软雅黑" pitchFamily="34" charset="-122"/>
+              </a:rPr>
+              <a:t>色</a:t>
+            </a:r>
+            <a:r>
+              <a:rPr lang="zh-CN" altLang="en-US" sz="2400" dirty="0" smtClean="0">
+                <a:solidFill>
+                  <a:schemeClr val="tx1">
+                    <a:lumMod val="75000"/>
+                    <a:lumOff val="25000"/>
+                  </a:schemeClr>
+                </a:solidFill>
+                <a:latin typeface="微软雅黑" pitchFamily="34" charset="-122"/>
+                <a:ea typeface="微软雅黑" pitchFamily="34" charset="-122"/>
+              </a:rPr>
+              <a:t>技术，模拟拉丝金属效果的按钮，用投影技术实现霓虹灯的效果。用</a:t>
+            </a:r>
+            <a:r>
+              <a:rPr lang="en-US" altLang="zh-CN" sz="2400" dirty="0" smtClean="0">
+                <a:solidFill>
+                  <a:schemeClr val="tx1">
+                    <a:lumMod val="75000"/>
+                    <a:lumOff val="25000"/>
+                  </a:schemeClr>
+                </a:solidFill>
+                <a:latin typeface="微软雅黑" pitchFamily="34" charset="-122"/>
+                <a:ea typeface="微软雅黑" pitchFamily="34" charset="-122"/>
+              </a:rPr>
+              <a:t>:check</a:t>
+            </a:r>
+            <a:r>
+              <a:rPr lang="zh-CN" altLang="en-US" sz="2400" dirty="0" smtClean="0">
+                <a:solidFill>
+                  <a:schemeClr val="tx1">
+                    <a:lumMod val="75000"/>
+                    <a:lumOff val="25000"/>
+                  </a:schemeClr>
+                </a:solidFill>
+                <a:latin typeface="微软雅黑" pitchFamily="34" charset="-122"/>
+                <a:ea typeface="微软雅黑" pitchFamily="34" charset="-122"/>
+              </a:rPr>
+              <a:t>和兄弟选择器关联按钮和霓虹灯！</a:t>
+            </a:r>
+            <a:endParaRPr lang="en-US" altLang="zh-CN" sz="2400" dirty="0" smtClean="0">
+              <a:solidFill>
+                <a:schemeClr val="tx1">
+                  <a:lumMod val="75000"/>
+                  <a:lumOff val="25000"/>
+                </a:schemeClr>
+              </a:solidFill>
+              <a:latin typeface="微软雅黑" pitchFamily="34" charset="-122"/>
+              <a:ea typeface="微软雅黑" pitchFamily="34" charset="-122"/>
+            </a:endParaRPr>
+          </a:p>
+        </p:txBody>
+      </p:sp>
       <p:pic>
         <p:nvPicPr>
-          <p:cNvPr id="5" name="图片 4" descr="屏幕剪辑"/>
+          <p:cNvPr id="3" name="图片 2" descr="屏幕剪辑"/>
+          <p:cNvPicPr>
+            <a:picLocks noChangeAspect="1"/>
+          </p:cNvPicPr>
+          <p:nvPr/>
+        </p:nvPicPr>
+        <p:blipFill rotWithShape="1">
+          <a:blip r:embed="rId2">
+            <a:extLst>
+              <a:ext uri="{28A0092B-C50C-407E-A947-70E740481C1C}">
+                <a14:useLocalDpi xmlns:a14="http://schemas.microsoft.com/office/drawing/2010/main" val="0"/>
+              </a:ext>
+            </a:extLst>
+          </a:blip>
+          <a:srcRect r="18228"/>
+          <a:stretch/>
+        </p:blipFill>
+        <p:spPr>
+          <a:xfrm>
+            <a:off x="899592" y="3645024"/>
+            <a:ext cx="2765381" cy="2781688"/>
+          </a:xfrm>
+          <a:prstGeom prst="rect">
+            <a:avLst/>
+          </a:prstGeom>
+          <a:ln>
+            <a:noFill/>
+          </a:ln>
+          <a:effectLst>
+            <a:softEdge rad="112500"/>
+          </a:effectLst>
+        </p:spPr>
+      </p:pic>
+      <p:pic>
+        <p:nvPicPr>
+          <p:cNvPr id="6" name="图片 5" descr="屏幕剪辑"/>
           <p:cNvPicPr>
             <a:picLocks noChangeAspect="1"/>
           </p:cNvPicPr>
           <p:nvPr/>
         </p:nvPicPr>
         <p:blipFill>
-          <a:blip r:embed="rId2">
+          <a:blip r:embed="rId3">
             <a:extLst>
               <a:ext uri="{28A0092B-C50C-407E-A947-70E740481C1C}">
                 <a14:useLocalDpi xmlns:a14="http://schemas.microsoft.com/office/drawing/2010/main" val="0"/>
@@ -6617,12 +6825,18 @@
         </p:blipFill>
         <p:spPr>
           <a:xfrm>
-            <a:off x="1510133" y="3933056"/>
-            <a:ext cx="6230219" cy="1209844"/>
+            <a:off x="4644008" y="3661169"/>
+            <a:ext cx="2880320" cy="2749397"/>
           </a:xfrm>
           <a:prstGeom prst="rect">
             <a:avLst/>
           </a:prstGeom>
+          <a:ln>
+            <a:noFill/>
+          </a:ln>
+          <a:effectLst>
+            <a:softEdge rad="112500"/>
+          </a:effectLst>
         </p:spPr>
       </p:pic>
     </p:spTree>
@@ -6757,8 +6971,8 @@
         </p:nvSpPr>
         <p:spPr>
           <a:xfrm>
-            <a:off x="467544" y="1196752"/>
-            <a:ext cx="8352928" cy="5078313"/>
+            <a:off x="611560" y="1196752"/>
+            <a:ext cx="7992888" cy="5632311"/>
           </a:xfrm>
           <a:prstGeom prst="rect">
             <a:avLst/>
@@ -6777,7 +6991,7 @@
               </a:lnSpc>
             </a:pPr>
             <a:r>
-              <a:rPr lang="en-US" altLang="zh-CN" dirty="0" smtClean="0">
+              <a:rPr lang="en-US" altLang="zh-CN" sz="2400" dirty="0" smtClean="0">
                 <a:solidFill>
                   <a:schemeClr val="tx1">
                     <a:lumMod val="75000"/>
@@ -6790,19 +7004,19 @@
               <a:t>a.</a:t>
             </a:r>
             <a:r>
-              <a:rPr lang="zh-CN" altLang="en-US" dirty="0" smtClean="0">
-                <a:solidFill>
-                  <a:schemeClr val="tx1">
-                    <a:lumMod val="75000"/>
-                    <a:lumOff val="25000"/>
-                  </a:schemeClr>
-                </a:solidFill>
-                <a:latin typeface="微软雅黑" pitchFamily="34" charset="-122"/>
-                <a:ea typeface="微软雅黑" pitchFamily="34" charset="-122"/>
-              </a:rPr>
-              <a:t>字母需要放在独立内联标签中</a:t>
-            </a:r>
-            <a:endParaRPr lang="en-US" altLang="zh-CN" dirty="0" smtClean="0">
+              <a:rPr lang="zh-CN" altLang="en-US" sz="2400" dirty="0" smtClean="0">
+                <a:solidFill>
+                  <a:schemeClr val="tx1">
+                    <a:lumMod val="75000"/>
+                    <a:lumOff val="25000"/>
+                  </a:schemeClr>
+                </a:solidFill>
+                <a:latin typeface="微软雅黑" pitchFamily="34" charset="-122"/>
+                <a:ea typeface="微软雅黑" pitchFamily="34" charset="-122"/>
+              </a:rPr>
+              <a:t>霓虹灯的效果</a:t>
+            </a:r>
+            <a:endParaRPr lang="en-US" altLang="zh-CN" sz="2400" dirty="0" smtClean="0">
               <a:solidFill>
                 <a:schemeClr val="tx1">
                   <a:lumMod val="75000"/>
@@ -6820,19 +7034,58 @@
               </a:lnSpc>
             </a:pPr>
             <a:r>
-              <a:rPr lang="zh-CN" altLang="en-US" dirty="0" smtClean="0">
-                <a:solidFill>
-                  <a:schemeClr val="tx1">
-                    <a:lumMod val="75000"/>
-                    <a:lumOff val="25000"/>
-                  </a:schemeClr>
-                </a:solidFill>
-                <a:latin typeface="微软雅黑" pitchFamily="34" charset="-122"/>
-                <a:ea typeface="微软雅黑" pitchFamily="34" charset="-122"/>
-              </a:rPr>
-              <a:t>翻折的是字母，而不是整段文本，所以需要将目标文本一个字母一个字母地放在单独的标签中，方便进行操作。另外因为透视中心的问题，内敛标签也是首选</a:t>
-            </a:r>
-            <a:endParaRPr lang="en-US" altLang="zh-CN" dirty="0" smtClean="0">
+              <a:rPr lang="en-US" altLang="zh-CN" sz="2400" dirty="0" smtClean="0">
+                <a:solidFill>
+                  <a:schemeClr val="tx1">
+                    <a:lumMod val="75000"/>
+                    <a:lumOff val="25000"/>
+                  </a:schemeClr>
+                </a:solidFill>
+                <a:latin typeface="微软雅黑" pitchFamily="34" charset="-122"/>
+                <a:ea typeface="微软雅黑" pitchFamily="34" charset="-122"/>
+              </a:rPr>
+              <a:t>   </a:t>
+            </a:r>
+            <a:r>
+              <a:rPr lang="zh-CN" altLang="en-US" sz="2400" dirty="0" smtClean="0">
+                <a:solidFill>
+                  <a:schemeClr val="tx1">
+                    <a:lumMod val="75000"/>
+                    <a:lumOff val="25000"/>
+                  </a:schemeClr>
+                </a:solidFill>
+                <a:latin typeface="微软雅黑" pitchFamily="34" charset="-122"/>
+                <a:ea typeface="微软雅黑" pitchFamily="34" charset="-122"/>
+              </a:rPr>
+              <a:t>利用</a:t>
+            </a:r>
+            <a:r>
+              <a:rPr lang="en-US" altLang="zh-CN" sz="2400" dirty="0" smtClean="0">
+                <a:solidFill>
+                  <a:schemeClr val="tx1">
+                    <a:lumMod val="75000"/>
+                    <a:lumOff val="25000"/>
+                  </a:schemeClr>
+                </a:solidFill>
+                <a:latin typeface="微软雅黑" pitchFamily="34" charset="-122"/>
+                <a:ea typeface="微软雅黑" pitchFamily="34" charset="-122"/>
+              </a:rPr>
+              <a:t>box-shadow</a:t>
+            </a:r>
+            <a:r>
+              <a:rPr lang="zh-CN" altLang="en-US" sz="2400" dirty="0" smtClean="0">
+                <a:solidFill>
+                  <a:schemeClr val="tx1">
+                    <a:lumMod val="75000"/>
+                    <a:lumOff val="25000"/>
+                  </a:schemeClr>
+                </a:solidFill>
+                <a:latin typeface="微软雅黑" pitchFamily="34" charset="-122"/>
+                <a:ea typeface="微软雅黑" pitchFamily="34" charset="-122"/>
+              </a:rPr>
+              <a:t>的多层阴影效果，制作出霓虹灯发光的效果</a:t>
+            </a:r>
+            <a:endParaRPr lang="en-US" altLang="zh-CN" sz="2400" dirty="0" smtClean="0">
               <a:solidFill>
                 <a:schemeClr val="tx1">
                   <a:lumMod val="75000"/>
@@ -6850,7 +7103,7 @@
               </a:lnSpc>
             </a:pPr>
             <a:r>
-              <a:rPr lang="en-US" altLang="zh-CN" dirty="0">
+              <a:rPr lang="en-US" altLang="zh-CN" sz="2400" dirty="0" smtClean="0">
                 <a:solidFill>
                   <a:schemeClr val="tx1">
                     <a:lumMod val="75000"/>
@@ -6863,19 +7116,19 @@
               <a:t>b.</a:t>
             </a:r>
             <a:r>
-              <a:rPr lang="zh-CN" altLang="en-US" dirty="0">
-                <a:solidFill>
-                  <a:schemeClr val="tx1">
-                    <a:lumMod val="75000"/>
-                    <a:lumOff val="25000"/>
-                  </a:schemeClr>
-                </a:solidFill>
-                <a:latin typeface="微软雅黑" pitchFamily="34" charset="-122"/>
-                <a:ea typeface="微软雅黑" pitchFamily="34" charset="-122"/>
-              </a:rPr>
-              <a:t>镂空部分</a:t>
-            </a:r>
-            <a:endParaRPr lang="en-US" altLang="zh-CN" dirty="0">
+              <a:rPr lang="zh-CN" altLang="en-US" sz="2400" dirty="0" smtClean="0">
+                <a:solidFill>
+                  <a:schemeClr val="tx1">
+                    <a:lumMod val="75000"/>
+                    <a:lumOff val="25000"/>
+                  </a:schemeClr>
+                </a:solidFill>
+                <a:latin typeface="微软雅黑" pitchFamily="34" charset="-122"/>
+                <a:ea typeface="微软雅黑" pitchFamily="34" charset="-122"/>
+              </a:rPr>
+              <a:t>按钮的金属拉丝效果</a:t>
+            </a:r>
+            <a:endParaRPr lang="en-US" altLang="zh-CN" sz="2400" dirty="0" smtClean="0">
               <a:solidFill>
                 <a:schemeClr val="tx1">
                   <a:lumMod val="75000"/>
@@ -6893,32 +7146,32 @@
               </a:lnSpc>
             </a:pPr>
             <a:r>
-              <a:rPr lang="zh-CN" altLang="en-US" dirty="0">
-                <a:solidFill>
-                  <a:schemeClr val="tx1">
-                    <a:lumMod val="75000"/>
-                    <a:lumOff val="25000"/>
-                  </a:schemeClr>
-                </a:solidFill>
-                <a:latin typeface="微软雅黑" pitchFamily="34" charset="-122"/>
-                <a:ea typeface="微软雅黑" pitchFamily="34" charset="-122"/>
-              </a:rPr>
-              <a:t>镂空部分通过文本字母</a:t>
-            </a:r>
-            <a:r>
-              <a:rPr lang="zh-CN" altLang="en-US" dirty="0" smtClean="0">
-                <a:solidFill>
-                  <a:schemeClr val="tx1">
-                    <a:lumMod val="75000"/>
-                    <a:lumOff val="25000"/>
-                  </a:schemeClr>
-                </a:solidFill>
-                <a:latin typeface="微软雅黑" pitchFamily="34" charset="-122"/>
-                <a:ea typeface="微软雅黑" pitchFamily="34" charset="-122"/>
-              </a:rPr>
-              <a:t>自身样式来实现</a:t>
-            </a:r>
-            <a:endParaRPr lang="en-US" altLang="zh-CN" dirty="0" smtClean="0">
+              <a:rPr lang="en-US" altLang="zh-CN" sz="2400" dirty="0" smtClean="0">
+                <a:solidFill>
+                  <a:schemeClr val="tx1">
+                    <a:lumMod val="75000"/>
+                    <a:lumOff val="25000"/>
+                  </a:schemeClr>
+                </a:solidFill>
+                <a:latin typeface="微软雅黑" pitchFamily="34" charset="-122"/>
+                <a:ea typeface="微软雅黑" pitchFamily="34" charset="-122"/>
+              </a:rPr>
+              <a:t>   </a:t>
+            </a:r>
+            <a:r>
+              <a:rPr lang="zh-CN" altLang="en-US" sz="2400" dirty="0" smtClean="0">
+                <a:solidFill>
+                  <a:schemeClr val="tx1">
+                    <a:lumMod val="75000"/>
+                    <a:lumOff val="25000"/>
+                  </a:schemeClr>
+                </a:solidFill>
+                <a:latin typeface="微软雅黑" pitchFamily="34" charset="-122"/>
+                <a:ea typeface="微软雅黑" pitchFamily="34" charset="-122"/>
+              </a:rPr>
+              <a:t>使用背景渐变色的多重叠加，模拟金属拉丝的凹凸质感和金属平面的光晕。</a:t>
+            </a:r>
+            <a:endParaRPr lang="en-US" altLang="zh-CN" sz="2400" dirty="0" smtClean="0">
               <a:solidFill>
                 <a:schemeClr val="tx1">
                   <a:lumMod val="75000"/>
@@ -6936,124 +7189,58 @@
               </a:lnSpc>
             </a:pPr>
             <a:r>
-              <a:rPr lang="en-US" altLang="zh-CN" dirty="0">
-                <a:solidFill>
-                  <a:schemeClr val="tx1">
-                    <a:lumMod val="75000"/>
-                    <a:lumOff val="25000"/>
-                  </a:schemeClr>
-                </a:solidFill>
-                <a:latin typeface="微软雅黑" pitchFamily="34" charset="-122"/>
-                <a:ea typeface="微软雅黑" pitchFamily="34" charset="-122"/>
-              </a:rPr>
-              <a:t>c</a:t>
-            </a:r>
-            <a:r>
-              <a:rPr lang="en-US" altLang="zh-CN" dirty="0" smtClean="0">
-                <a:solidFill>
-                  <a:schemeClr val="tx1">
-                    <a:lumMod val="75000"/>
-                    <a:lumOff val="25000"/>
-                  </a:schemeClr>
-                </a:solidFill>
-                <a:latin typeface="微软雅黑" pitchFamily="34" charset="-122"/>
-                <a:ea typeface="微软雅黑" pitchFamily="34" charset="-122"/>
-              </a:rPr>
-              <a:t>.</a:t>
-            </a:r>
-            <a:r>
-              <a:rPr lang="zh-CN" altLang="en-US" dirty="0" smtClean="0">
-                <a:solidFill>
-                  <a:schemeClr val="tx1">
-                    <a:lumMod val="75000"/>
-                    <a:lumOff val="25000"/>
-                  </a:schemeClr>
-                </a:solidFill>
-                <a:latin typeface="微软雅黑" pitchFamily="34" charset="-122"/>
-                <a:ea typeface="微软雅黑" pitchFamily="34" charset="-122"/>
-              </a:rPr>
-              <a:t>翻折部分</a:t>
-            </a:r>
-            <a:endParaRPr lang="en-US" altLang="zh-CN" dirty="0">
-              <a:solidFill>
-                <a:srgbClr val="C00000"/>
-              </a:solidFill>
-              <a:latin typeface="微软雅黑" pitchFamily="34" charset="-122"/>
-              <a:ea typeface="微软雅黑" pitchFamily="34" charset="-122"/>
-            </a:endParaRPr>
-          </a:p>
-          <a:p>
-            <a:pPr>
-              <a:lnSpc>
-                <a:spcPct val="150000"/>
-              </a:lnSpc>
-            </a:pPr>
-            <a:r>
-              <a:rPr lang="zh-CN" altLang="en-US" dirty="0" smtClean="0">
-                <a:solidFill>
-                  <a:schemeClr val="tx1">
-                    <a:lumMod val="75000"/>
-                    <a:lumOff val="25000"/>
-                  </a:schemeClr>
-                </a:solidFill>
-                <a:latin typeface="微软雅黑" pitchFamily="34" charset="-122"/>
-                <a:ea typeface="微软雅黑" pitchFamily="34" charset="-122"/>
-              </a:rPr>
-              <a:t>翻折的字母和文本字母要一致，为了不增加额外的标签，我们可以使用文本的伪元素 </a:t>
-            </a:r>
-            <a:r>
-              <a:rPr lang="en-US" altLang="zh-CN" dirty="0" smtClean="0">
-                <a:solidFill>
-                  <a:schemeClr val="tx1">
-                    <a:lumMod val="75000"/>
-                    <a:lumOff val="25000"/>
-                  </a:schemeClr>
-                </a:solidFill>
-                <a:latin typeface="微软雅黑" pitchFamily="34" charset="-122"/>
-                <a:ea typeface="微软雅黑" pitchFamily="34" charset="-122"/>
-              </a:rPr>
-              <a:t>before</a:t>
-            </a:r>
-            <a:r>
-              <a:rPr lang="zh-CN" altLang="en-US" dirty="0" smtClean="0">
-                <a:solidFill>
-                  <a:schemeClr val="tx1">
-                    <a:lumMod val="75000"/>
-                    <a:lumOff val="25000"/>
-                  </a:schemeClr>
-                </a:solidFill>
-                <a:latin typeface="微软雅黑" pitchFamily="34" charset="-122"/>
-                <a:ea typeface="微软雅黑" pitchFamily="34" charset="-122"/>
-              </a:rPr>
-              <a:t>，然后使用</a:t>
-            </a:r>
-            <a:r>
-              <a:rPr lang="en-US" altLang="zh-CN" dirty="0" err="1" smtClean="0">
-                <a:solidFill>
-                  <a:schemeClr val="tx1">
-                    <a:lumMod val="75000"/>
-                    <a:lumOff val="25000"/>
-                  </a:schemeClr>
-                </a:solidFill>
-                <a:latin typeface="微软雅黑" pitchFamily="34" charset="-122"/>
-                <a:ea typeface="微软雅黑" pitchFamily="34" charset="-122"/>
-              </a:rPr>
-              <a:t>transfom</a:t>
-            </a:r>
-            <a:r>
-              <a:rPr lang="zh-CN" altLang="en-US" dirty="0" smtClean="0">
-                <a:solidFill>
-                  <a:schemeClr val="tx1">
-                    <a:lumMod val="75000"/>
-                    <a:lumOff val="25000"/>
-                  </a:schemeClr>
-                </a:solidFill>
-                <a:latin typeface="微软雅黑" pitchFamily="34" charset="-122"/>
-                <a:ea typeface="微软雅黑" pitchFamily="34" charset="-122"/>
-              </a:rPr>
-              <a:t>样式实现</a:t>
-            </a:r>
-            <a:endParaRPr lang="en-US" altLang="zh-CN" dirty="0" smtClean="0">
+              <a:rPr lang="en-US" altLang="zh-CN" sz="2400" dirty="0" smtClean="0">
+                <a:solidFill>
+                  <a:schemeClr val="tx1">
+                    <a:lumMod val="75000"/>
+                    <a:lumOff val="25000"/>
+                  </a:schemeClr>
+                </a:solidFill>
+                <a:latin typeface="微软雅黑" pitchFamily="34" charset="-122"/>
+                <a:ea typeface="微软雅黑" pitchFamily="34" charset="-122"/>
+              </a:rPr>
+              <a:t>c.</a:t>
+            </a:r>
+            <a:r>
+              <a:rPr lang="zh-CN" altLang="en-US" sz="2400" dirty="0" smtClean="0">
+                <a:solidFill>
+                  <a:schemeClr val="tx1">
+                    <a:lumMod val="75000"/>
+                    <a:lumOff val="25000"/>
+                  </a:schemeClr>
+                </a:solidFill>
+                <a:latin typeface="微软雅黑" pitchFamily="34" charset="-122"/>
+                <a:ea typeface="微软雅黑" pitchFamily="34" charset="-122"/>
+              </a:rPr>
+              <a:t>按钮</a:t>
+            </a:r>
+            <a:r>
+              <a:rPr lang="zh-CN" altLang="en-US" sz="2400" dirty="0">
+                <a:solidFill>
+                  <a:schemeClr val="tx1">
+                    <a:lumMod val="75000"/>
+                    <a:lumOff val="25000"/>
+                  </a:schemeClr>
+                </a:solidFill>
+                <a:latin typeface="微软雅黑" pitchFamily="34" charset="-122"/>
+                <a:ea typeface="微软雅黑" pitchFamily="34" charset="-122"/>
+              </a:rPr>
+              <a:t>开关</a:t>
+            </a:r>
+            <a:r>
+              <a:rPr lang="zh-CN" altLang="en-US" sz="2400" dirty="0" smtClean="0">
+                <a:solidFill>
+                  <a:schemeClr val="tx1">
+                    <a:lumMod val="75000"/>
+                    <a:lumOff val="25000"/>
+                  </a:schemeClr>
+                </a:solidFill>
+                <a:latin typeface="微软雅黑" pitchFamily="34" charset="-122"/>
+                <a:ea typeface="微软雅黑" pitchFamily="34" charset="-122"/>
+              </a:rPr>
+              <a:t>霓虹灯</a:t>
+            </a:r>
+            <a:endParaRPr lang="en-US" altLang="zh-CN" sz="2400" dirty="0" smtClean="0">
               <a:solidFill>
                 <a:schemeClr val="tx1">
                   <a:lumMod val="75000"/>
@@ -7071,213 +7258,123 @@
               </a:lnSpc>
             </a:pPr>
             <a:r>
-              <a:rPr lang="en-US" altLang="zh-CN" dirty="0" smtClean="0">
-                <a:solidFill>
-                  <a:schemeClr val="tx1">
-                    <a:lumMod val="75000"/>
-                    <a:lumOff val="25000"/>
-                  </a:schemeClr>
-                </a:solidFill>
-                <a:latin typeface="微软雅黑" pitchFamily="34" charset="-122"/>
-                <a:ea typeface="微软雅黑" pitchFamily="34" charset="-122"/>
-              </a:rPr>
-              <a:t>d.</a:t>
-            </a:r>
-            <a:r>
-              <a:rPr lang="zh-CN" altLang="en-US" dirty="0" smtClean="0">
-                <a:solidFill>
-                  <a:schemeClr val="tx1">
-                    <a:lumMod val="75000"/>
-                    <a:lumOff val="25000"/>
-                  </a:schemeClr>
-                </a:solidFill>
-                <a:latin typeface="微软雅黑" pitchFamily="34" charset="-122"/>
-                <a:ea typeface="微软雅黑" pitchFamily="34" charset="-122"/>
-              </a:rPr>
-              <a:t>投影部分</a:t>
-            </a:r>
-            <a:endParaRPr lang="en-US" altLang="zh-CN" dirty="0" smtClean="0">
-              <a:solidFill>
-                <a:schemeClr val="tx1">
-                  <a:lumMod val="75000"/>
-                  <a:lumOff val="25000"/>
-                </a:schemeClr>
-              </a:solidFill>
-              <a:latin typeface="微软雅黑" pitchFamily="34" charset="-122"/>
-              <a:ea typeface="微软雅黑" pitchFamily="34" charset="-122"/>
-            </a:endParaRPr>
-          </a:p>
-          <a:p>
-            <a:pPr>
-              <a:lnSpc>
-                <a:spcPct val="150000"/>
-              </a:lnSpc>
-            </a:pPr>
-            <a:r>
-              <a:rPr lang="zh-CN" altLang="en-US" dirty="0" smtClean="0">
-                <a:solidFill>
-                  <a:schemeClr val="tx1">
-                    <a:lumMod val="75000"/>
-                    <a:lumOff val="25000"/>
-                  </a:schemeClr>
-                </a:solidFill>
-                <a:latin typeface="微软雅黑" pitchFamily="34" charset="-122"/>
-                <a:ea typeface="微软雅黑" pitchFamily="34" charset="-122"/>
-              </a:rPr>
-              <a:t>投影的字母和文本字母要一致，同样可以使用</a:t>
-            </a:r>
-            <a:r>
-              <a:rPr lang="en-US" altLang="zh-CN" dirty="0" smtClean="0">
-                <a:solidFill>
-                  <a:schemeClr val="tx1">
-                    <a:lumMod val="75000"/>
-                    <a:lumOff val="25000"/>
-                  </a:schemeClr>
-                </a:solidFill>
-                <a:latin typeface="微软雅黑" pitchFamily="34" charset="-122"/>
-                <a:ea typeface="微软雅黑" pitchFamily="34" charset="-122"/>
-              </a:rPr>
-              <a:t>after</a:t>
-            </a:r>
-            <a:r>
-              <a:rPr lang="zh-CN" altLang="en-US" dirty="0" smtClean="0">
-                <a:solidFill>
-                  <a:schemeClr val="tx1">
-                    <a:lumMod val="75000"/>
-                    <a:lumOff val="25000"/>
-                  </a:schemeClr>
-                </a:solidFill>
-                <a:latin typeface="微软雅黑" pitchFamily="34" charset="-122"/>
-                <a:ea typeface="微软雅黑" pitchFamily="34" charset="-122"/>
-              </a:rPr>
-              <a:t>实现</a:t>
-            </a:r>
-            <a:endParaRPr lang="en-US" altLang="zh-CN" dirty="0">
-              <a:solidFill>
-                <a:schemeClr val="tx1">
-                  <a:lumMod val="75000"/>
-                  <a:lumOff val="25000"/>
-                </a:schemeClr>
-              </a:solidFill>
-              <a:latin typeface="微软雅黑" pitchFamily="34" charset="-122"/>
-              <a:ea typeface="微软雅黑" pitchFamily="34" charset="-122"/>
-            </a:endParaRPr>
-          </a:p>
-          <a:p>
-            <a:pPr>
-              <a:lnSpc>
-                <a:spcPct val="150000"/>
-              </a:lnSpc>
-            </a:pPr>
-            <a:r>
-              <a:rPr lang="en-US" altLang="zh-CN" dirty="0" smtClean="0">
-                <a:solidFill>
-                  <a:schemeClr val="tx1">
-                    <a:lumMod val="75000"/>
-                    <a:lumOff val="25000"/>
-                  </a:schemeClr>
-                </a:solidFill>
-                <a:latin typeface="微软雅黑" pitchFamily="34" charset="-122"/>
-                <a:ea typeface="微软雅黑" pitchFamily="34" charset="-122"/>
-              </a:rPr>
-              <a:t>e.</a:t>
-            </a:r>
-            <a:r>
-              <a:rPr lang="zh-CN" altLang="en-US" dirty="0" smtClean="0">
-                <a:solidFill>
-                  <a:schemeClr val="tx1">
-                    <a:lumMod val="75000"/>
-                    <a:lumOff val="25000"/>
-                  </a:schemeClr>
-                </a:solidFill>
-                <a:latin typeface="微软雅黑" pitchFamily="34" charset="-122"/>
-                <a:ea typeface="微软雅黑" pitchFamily="34" charset="-122"/>
-              </a:rPr>
-              <a:t>在标签中添加指定类，即可使文本的每个字母实现翻折剪纸的效果</a:t>
-            </a:r>
-            <a:endParaRPr lang="en-US" altLang="zh-CN" dirty="0" smtClean="0">
-              <a:solidFill>
-                <a:schemeClr val="tx1">
-                  <a:lumMod val="75000"/>
-                  <a:lumOff val="25000"/>
-                </a:schemeClr>
-              </a:solidFill>
-              <a:latin typeface="微软雅黑" pitchFamily="34" charset="-122"/>
-              <a:ea typeface="微软雅黑" pitchFamily="34" charset="-122"/>
-            </a:endParaRPr>
-          </a:p>
-          <a:p>
-            <a:pPr>
-              <a:lnSpc>
-                <a:spcPct val="150000"/>
-              </a:lnSpc>
-            </a:pPr>
-            <a:r>
-              <a:rPr lang="zh-CN" altLang="en-US" dirty="0" smtClean="0">
-                <a:solidFill>
-                  <a:schemeClr val="tx1">
-                    <a:lumMod val="75000"/>
-                    <a:lumOff val="25000"/>
-                  </a:schemeClr>
-                </a:solidFill>
-                <a:latin typeface="微软雅黑" pitchFamily="34" charset="-122"/>
-                <a:ea typeface="微软雅黑" pitchFamily="34" charset="-122"/>
-              </a:rPr>
-              <a:t>使用</a:t>
-            </a:r>
-            <a:r>
-              <a:rPr lang="en-US" altLang="zh-CN" dirty="0" err="1" smtClean="0">
-                <a:solidFill>
-                  <a:schemeClr val="tx1">
-                    <a:lumMod val="75000"/>
-                    <a:lumOff val="25000"/>
-                  </a:schemeClr>
-                </a:solidFill>
-                <a:latin typeface="微软雅黑" pitchFamily="34" charset="-122"/>
-                <a:ea typeface="微软雅黑" pitchFamily="34" charset="-122"/>
-              </a:rPr>
-              <a:t>js</a:t>
-            </a:r>
-            <a:r>
-              <a:rPr lang="zh-CN" altLang="en-US" dirty="0" smtClean="0">
-                <a:solidFill>
-                  <a:schemeClr val="tx1">
-                    <a:lumMod val="75000"/>
-                    <a:lumOff val="25000"/>
-                  </a:schemeClr>
-                </a:solidFill>
-                <a:latin typeface="微软雅黑" pitchFamily="34" charset="-122"/>
-                <a:ea typeface="微软雅黑" pitchFamily="34" charset="-122"/>
-              </a:rPr>
-              <a:t>分割文本，然后使用独立内联标签包裹，</a:t>
-            </a:r>
-            <a:r>
-              <a:rPr lang="zh-CN" altLang="en-US" dirty="0">
-                <a:solidFill>
-                  <a:schemeClr val="tx1">
-                    <a:lumMod val="75000"/>
-                    <a:lumOff val="25000"/>
-                  </a:schemeClr>
-                </a:solidFill>
-                <a:latin typeface="微软雅黑" pitchFamily="34" charset="-122"/>
-                <a:ea typeface="微软雅黑" pitchFamily="34" charset="-122"/>
-              </a:rPr>
-              <a:t>指定</a:t>
-            </a:r>
-            <a:r>
-              <a:rPr lang="zh-CN" altLang="en-US" dirty="0" smtClean="0">
-                <a:solidFill>
-                  <a:schemeClr val="tx1">
-                    <a:lumMod val="75000"/>
-                    <a:lumOff val="25000"/>
-                  </a:schemeClr>
-                </a:solidFill>
-                <a:latin typeface="微软雅黑" pitchFamily="34" charset="-122"/>
-                <a:ea typeface="微软雅黑" pitchFamily="34" charset="-122"/>
-              </a:rPr>
-              <a:t>类和属性即可</a:t>
-            </a:r>
-            <a:endParaRPr lang="en-US" altLang="zh-CN" dirty="0" smtClean="0">
+              <a:rPr lang="en-US" altLang="zh-CN" sz="2400" dirty="0">
+                <a:solidFill>
+                  <a:schemeClr val="tx1">
+                    <a:lumMod val="75000"/>
+                    <a:lumOff val="25000"/>
+                  </a:schemeClr>
+                </a:solidFill>
+                <a:latin typeface="微软雅黑" pitchFamily="34" charset="-122"/>
+                <a:ea typeface="微软雅黑" pitchFamily="34" charset="-122"/>
+              </a:rPr>
+              <a:t> </a:t>
+            </a:r>
+            <a:r>
+              <a:rPr lang="en-US" altLang="zh-CN" sz="2400" dirty="0" smtClean="0">
+                <a:solidFill>
+                  <a:schemeClr val="tx1">
+                    <a:lumMod val="75000"/>
+                    <a:lumOff val="25000"/>
+                  </a:schemeClr>
+                </a:solidFill>
+                <a:latin typeface="微软雅黑" pitchFamily="34" charset="-122"/>
+                <a:ea typeface="微软雅黑" pitchFamily="34" charset="-122"/>
+              </a:rPr>
+              <a:t>  </a:t>
+            </a:r>
+            <a:r>
+              <a:rPr lang="zh-CN" altLang="en-US" sz="2400" dirty="0" smtClean="0">
+                <a:solidFill>
+                  <a:schemeClr val="tx1">
+                    <a:lumMod val="75000"/>
+                    <a:lumOff val="25000"/>
+                  </a:schemeClr>
+                </a:solidFill>
+                <a:latin typeface="微软雅黑" pitchFamily="34" charset="-122"/>
+                <a:ea typeface="微软雅黑" pitchFamily="34" charset="-122"/>
+              </a:rPr>
+              <a:t>利用</a:t>
+            </a:r>
+            <a:r>
+              <a:rPr lang="en-US" altLang="zh-CN" sz="2400" dirty="0" smtClean="0">
+                <a:solidFill>
+                  <a:schemeClr val="tx1">
+                    <a:lumMod val="75000"/>
+                    <a:lumOff val="25000"/>
+                  </a:schemeClr>
+                </a:solidFill>
+                <a:latin typeface="微软雅黑" pitchFamily="34" charset="-122"/>
+                <a:ea typeface="微软雅黑" pitchFamily="34" charset="-122"/>
+              </a:rPr>
+              <a:t>&lt;input type=“checkbox”&gt;</a:t>
+            </a:r>
+            <a:r>
+              <a:rPr lang="zh-CN" altLang="en-US" sz="2400" dirty="0" smtClean="0">
+                <a:solidFill>
+                  <a:schemeClr val="tx1">
+                    <a:lumMod val="75000"/>
+                    <a:lumOff val="25000"/>
+                  </a:schemeClr>
+                </a:solidFill>
+                <a:latin typeface="微软雅黑" pitchFamily="34" charset="-122"/>
+                <a:ea typeface="微软雅黑" pitchFamily="34" charset="-122"/>
+              </a:rPr>
+              <a:t>复选按钮，以及它特有的</a:t>
+            </a:r>
+            <a:r>
+              <a:rPr lang="en-US" altLang="zh-CN" sz="2400" dirty="0" err="1" smtClean="0">
+                <a:solidFill>
+                  <a:schemeClr val="tx1">
+                    <a:lumMod val="75000"/>
+                    <a:lumOff val="25000"/>
+                  </a:schemeClr>
+                </a:solidFill>
+                <a:latin typeface="微软雅黑" pitchFamily="34" charset="-122"/>
+                <a:ea typeface="微软雅黑" pitchFamily="34" charset="-122"/>
+              </a:rPr>
+              <a:t>chebox</a:t>
+            </a:r>
+            <a:r>
+              <a:rPr lang="zh-CN" altLang="en-US" sz="2400" dirty="0" smtClean="0">
+                <a:solidFill>
+                  <a:schemeClr val="tx1">
+                    <a:lumMod val="75000"/>
+                    <a:lumOff val="25000"/>
+                  </a:schemeClr>
+                </a:solidFill>
+                <a:latin typeface="微软雅黑" pitchFamily="34" charset="-122"/>
+                <a:ea typeface="微软雅黑" pitchFamily="34" charset="-122"/>
+              </a:rPr>
+              <a:t>，记录开</a:t>
+            </a:r>
+            <a:r>
+              <a:rPr lang="en-US" altLang="zh-CN" sz="2400" dirty="0" smtClean="0">
+                <a:solidFill>
+                  <a:schemeClr val="tx1">
+                    <a:lumMod val="75000"/>
+                    <a:lumOff val="25000"/>
+                  </a:schemeClr>
+                </a:solidFill>
+                <a:latin typeface="微软雅黑" pitchFamily="34" charset="-122"/>
+                <a:ea typeface="微软雅黑" pitchFamily="34" charset="-122"/>
+              </a:rPr>
+              <a:t>/</a:t>
+            </a:r>
+            <a:r>
+              <a:rPr lang="zh-CN" altLang="en-US" sz="2400" dirty="0" smtClean="0">
+                <a:solidFill>
+                  <a:schemeClr val="tx1">
+                    <a:lumMod val="75000"/>
+                    <a:lumOff val="25000"/>
+                  </a:schemeClr>
+                </a:solidFill>
+                <a:latin typeface="微软雅黑" pitchFamily="34" charset="-122"/>
+                <a:ea typeface="微软雅黑" pitchFamily="34" charset="-122"/>
+              </a:rPr>
+              <a:t>关状态，同时使用兄弟选择器，关联控制霓虹灯的状态</a:t>
+            </a:r>
+            <a:endParaRPr lang="en-US" altLang="zh-CN" sz="2400" dirty="0" smtClean="0">
               <a:solidFill>
                 <a:schemeClr val="tx1">
                   <a:lumMod val="75000"/>
@@ -7329,7 +7426,7 @@
       </p:grpSpPr>
       <p:pic>
         <p:nvPicPr>
-          <p:cNvPr id="9" name="图片 8" descr="屏幕剪辑"/>
+          <p:cNvPr id="13" name="图片 12" descr="屏幕剪辑"/>
           <p:cNvPicPr>
             <a:picLocks noChangeAspect="1"/>
           </p:cNvPicPr>
@@ -7349,8 +7446,8 @@
         </p:blipFill>
         <p:spPr>
           <a:xfrm>
-            <a:off x="609538" y="3219421"/>
-            <a:ext cx="7211431" cy="419158"/>
+            <a:off x="1152258" y="5268331"/>
+            <a:ext cx="3248478" cy="1390844"/>
           </a:xfrm>
           <a:prstGeom prst="rect">
             <a:avLst/>
@@ -7367,413 +7464,9 @@
           </a:effectLst>
         </p:spPr>
       </p:pic>
-      <p:sp>
-        <p:nvSpPr>
-          <p:cNvPr id="4" name="TextBox 3"/>
-          <p:cNvSpPr txBox="1"/>
-          <p:nvPr/>
-        </p:nvSpPr>
-        <p:spPr>
-          <a:xfrm>
-            <a:off x="467544" y="476672"/>
-            <a:ext cx="7200800" cy="662554"/>
-          </a:xfrm>
-          <a:prstGeom prst="rect">
-            <a:avLst/>
-          </a:prstGeom>
-          <a:noFill/>
-        </p:spPr>
-        <p:txBody>
-          <a:bodyPr wrap="square" rtlCol="0">
-            <a:spAutoFit/>
-          </a:bodyPr>
-          <a:lstStyle/>
-          <a:p>
-            <a:pPr>
-              <a:lnSpc>
-                <a:spcPct val="150000"/>
-              </a:lnSpc>
-            </a:pPr>
-            <a:r>
-              <a:rPr lang="en-US" altLang="zh-CN" sz="2800" dirty="0" smtClean="0">
-                <a:solidFill>
-                  <a:schemeClr val="tx1">
-                    <a:lumMod val="75000"/>
-                    <a:lumOff val="25000"/>
-                  </a:schemeClr>
-                </a:solidFill>
-                <a:latin typeface="微软雅黑" pitchFamily="34" charset="-122"/>
-                <a:ea typeface="微软雅黑" pitchFamily="34" charset="-122"/>
-              </a:rPr>
-              <a:t>3.</a:t>
-            </a:r>
-            <a:r>
-              <a:rPr lang="zh-CN" altLang="en-US" sz="2800" dirty="0" smtClean="0">
-                <a:solidFill>
-                  <a:schemeClr val="tx1">
-                    <a:lumMod val="75000"/>
-                    <a:lumOff val="25000"/>
-                  </a:schemeClr>
-                </a:solidFill>
-                <a:latin typeface="微软雅黑" pitchFamily="34" charset="-122"/>
-                <a:ea typeface="微软雅黑" pitchFamily="34" charset="-122"/>
-              </a:rPr>
-              <a:t>将文本字母本身变成镂空后部分</a:t>
-            </a:r>
-            <a:endParaRPr lang="zh-CN" altLang="en-US" sz="2800" dirty="0">
-              <a:solidFill>
-                <a:schemeClr val="tx1">
-                  <a:lumMod val="75000"/>
-                  <a:lumOff val="25000"/>
-                </a:schemeClr>
-              </a:solidFill>
-              <a:latin typeface="微软雅黑" pitchFamily="34" charset="-122"/>
-              <a:ea typeface="微软雅黑" pitchFamily="34" charset="-122"/>
-            </a:endParaRPr>
-          </a:p>
-        </p:txBody>
-      </p:sp>
-      <p:sp>
-        <p:nvSpPr>
-          <p:cNvPr id="5" name="TextBox 4"/>
-          <p:cNvSpPr txBox="1"/>
-          <p:nvPr/>
-        </p:nvSpPr>
-        <p:spPr>
-          <a:xfrm>
-            <a:off x="467544" y="1379721"/>
-            <a:ext cx="7992888" cy="1754326"/>
-          </a:xfrm>
-          <a:prstGeom prst="rect">
-            <a:avLst/>
-          </a:prstGeom>
-          <a:noFill/>
-        </p:spPr>
-        <p:txBody>
-          <a:bodyPr wrap="square" rtlCol="0">
-            <a:spAutoFit/>
-          </a:bodyPr>
-          <a:lstStyle/>
-          <a:p>
-            <a:pPr>
-              <a:lnSpc>
-                <a:spcPct val="150000"/>
-              </a:lnSpc>
-            </a:pPr>
-            <a:r>
-              <a:rPr lang="zh-CN" altLang="en-US" dirty="0">
-                <a:solidFill>
-                  <a:schemeClr val="tx1">
-                    <a:lumMod val="75000"/>
-                    <a:lumOff val="25000"/>
-                  </a:schemeClr>
-                </a:solidFill>
-                <a:latin typeface="微软雅黑" pitchFamily="34" charset="-122"/>
-                <a:ea typeface="微软雅黑" pitchFamily="34" charset="-122"/>
-              </a:rPr>
-              <a:t>文本需要包裹在独立的</a:t>
-            </a:r>
-            <a:r>
-              <a:rPr lang="zh-CN" altLang="en-US" b="1" dirty="0">
-                <a:solidFill>
-                  <a:schemeClr val="tx1">
-                    <a:lumMod val="75000"/>
-                    <a:lumOff val="25000"/>
-                  </a:schemeClr>
-                </a:solidFill>
-                <a:latin typeface="微软雅黑" pitchFamily="34" charset="-122"/>
-                <a:ea typeface="微软雅黑" pitchFamily="34" charset="-122"/>
-              </a:rPr>
-              <a:t>内</a:t>
-            </a:r>
-            <a:r>
-              <a:rPr lang="zh-CN" altLang="en-US" b="1" dirty="0" smtClean="0">
-                <a:solidFill>
-                  <a:schemeClr val="tx1">
-                    <a:lumMod val="75000"/>
-                    <a:lumOff val="25000"/>
-                  </a:schemeClr>
-                </a:solidFill>
-                <a:latin typeface="微软雅黑" pitchFamily="34" charset="-122"/>
-                <a:ea typeface="微软雅黑" pitchFamily="34" charset="-122"/>
-              </a:rPr>
-              <a:t>联元素</a:t>
-            </a:r>
-            <a:r>
-              <a:rPr lang="zh-CN" altLang="en-US" dirty="0" smtClean="0">
-                <a:solidFill>
-                  <a:schemeClr val="tx1">
-                    <a:lumMod val="75000"/>
-                    <a:lumOff val="25000"/>
-                  </a:schemeClr>
-                </a:solidFill>
-                <a:latin typeface="微软雅黑" pitchFamily="34" charset="-122"/>
-                <a:ea typeface="微软雅黑" pitchFamily="34" charset="-122"/>
-              </a:rPr>
-              <a:t>中，因为块元素的宽度是父元素宽度的</a:t>
-            </a:r>
-            <a:r>
-              <a:rPr lang="en-US" altLang="zh-CN" dirty="0" smtClean="0">
-                <a:solidFill>
-                  <a:schemeClr val="tx1">
-                    <a:lumMod val="75000"/>
-                    <a:lumOff val="25000"/>
-                  </a:schemeClr>
-                </a:solidFill>
-                <a:latin typeface="微软雅黑" pitchFamily="34" charset="-122"/>
-                <a:ea typeface="微软雅黑" pitchFamily="34" charset="-122"/>
-              </a:rPr>
-              <a:t>100%</a:t>
-            </a:r>
-            <a:r>
-              <a:rPr lang="zh-CN" altLang="en-US" dirty="0" smtClean="0">
-                <a:solidFill>
-                  <a:schemeClr val="tx1">
-                    <a:lumMod val="75000"/>
-                    <a:lumOff val="25000"/>
-                  </a:schemeClr>
-                </a:solidFill>
-                <a:latin typeface="微软雅黑" pitchFamily="34" charset="-122"/>
-                <a:ea typeface="微软雅黑" pitchFamily="34" charset="-122"/>
-              </a:rPr>
-              <a:t>，在翻折的时候，透视的中心（</a:t>
-            </a:r>
-            <a:r>
-              <a:rPr lang="en-US" altLang="zh-CN" dirty="0">
-                <a:solidFill>
-                  <a:schemeClr val="tx1">
-                    <a:lumMod val="75000"/>
-                    <a:lumOff val="25000"/>
-                  </a:schemeClr>
-                </a:solidFill>
-                <a:latin typeface="微软雅黑" pitchFamily="34" charset="-122"/>
-                <a:ea typeface="微软雅黑" pitchFamily="34" charset="-122"/>
-              </a:rPr>
-              <a:t> perspective-origin </a:t>
-            </a:r>
-            <a:r>
-              <a:rPr lang="zh-CN" altLang="en-US" dirty="0" smtClean="0">
-                <a:solidFill>
-                  <a:schemeClr val="tx1">
-                    <a:lumMod val="75000"/>
-                    <a:lumOff val="25000"/>
-                  </a:schemeClr>
-                </a:solidFill>
-                <a:latin typeface="微软雅黑" pitchFamily="34" charset="-122"/>
-                <a:ea typeface="微软雅黑" pitchFamily="34" charset="-122"/>
-              </a:rPr>
-              <a:t>）会处于元素中心，而不一定是字母中心，会有很大的偏差。如果是内联</a:t>
-            </a:r>
-            <a:r>
-              <a:rPr lang="zh-CN" altLang="en-US" dirty="0">
-                <a:solidFill>
-                  <a:schemeClr val="tx1">
-                    <a:lumMod val="75000"/>
-                    <a:lumOff val="25000"/>
-                  </a:schemeClr>
-                </a:solidFill>
-                <a:latin typeface="微软雅黑" pitchFamily="34" charset="-122"/>
-                <a:ea typeface="微软雅黑" pitchFamily="34" charset="-122"/>
-              </a:rPr>
-              <a:t>元素，</a:t>
-            </a:r>
-            <a:r>
-              <a:rPr lang="zh-CN" altLang="en-US" dirty="0" smtClean="0">
-                <a:solidFill>
-                  <a:schemeClr val="tx1">
-                    <a:lumMod val="75000"/>
-                    <a:lumOff val="25000"/>
-                  </a:schemeClr>
-                </a:solidFill>
-                <a:latin typeface="微软雅黑" pitchFamily="34" charset="-122"/>
-                <a:ea typeface="微软雅黑" pitchFamily="34" charset="-122"/>
-              </a:rPr>
-              <a:t>因为元素尺寸等于内容尺寸，所以透视中心会位于字母中心。</a:t>
-            </a:r>
-            <a:endParaRPr lang="en-US" altLang="zh-CN" dirty="0" smtClean="0">
-              <a:solidFill>
-                <a:schemeClr val="tx1">
-                  <a:lumMod val="75000"/>
-                  <a:lumOff val="25000"/>
-                </a:schemeClr>
-              </a:solidFill>
-              <a:latin typeface="微软雅黑" pitchFamily="34" charset="-122"/>
-              <a:ea typeface="微软雅黑" pitchFamily="34" charset="-122"/>
-            </a:endParaRPr>
-          </a:p>
-        </p:txBody>
-      </p:sp>
-      <p:sp>
-        <p:nvSpPr>
-          <p:cNvPr id="6" name="圆角矩形标注 5"/>
-          <p:cNvSpPr/>
-          <p:nvPr/>
-        </p:nvSpPr>
-        <p:spPr>
-          <a:xfrm>
-            <a:off x="4215253" y="3744571"/>
-            <a:ext cx="2232248" cy="432781"/>
-          </a:xfrm>
-          <a:prstGeom prst="wedgeRoundRectCallout">
-            <a:avLst>
-              <a:gd name="adj1" fmla="val -25531"/>
-              <a:gd name="adj2" fmla="val -91868"/>
-              <a:gd name="adj3" fmla="val 16667"/>
-            </a:avLst>
-          </a:prstGeom>
-        </p:spPr>
-        <p:style>
-          <a:lnRef idx="2">
-            <a:schemeClr val="accent5"/>
-          </a:lnRef>
-          <a:fillRef idx="1">
-            <a:schemeClr val="lt1"/>
-          </a:fillRef>
-          <a:effectRef idx="0">
-            <a:schemeClr val="accent5"/>
-          </a:effectRef>
-          <a:fontRef idx="minor">
-            <a:schemeClr val="dk1"/>
-          </a:fontRef>
-        </p:style>
-        <p:txBody>
-          <a:bodyPr rtlCol="0" anchor="ctr"/>
-          <a:lstStyle/>
-          <a:p>
-            <a:pPr>
-              <a:lnSpc>
-                <a:spcPct val="150000"/>
-              </a:lnSpc>
-            </a:pPr>
-            <a:r>
-              <a:rPr lang="zh-CN" altLang="en-US" sz="1400" dirty="0" smtClean="0">
-                <a:latin typeface="微软雅黑" panose="020B0503020204020204" pitchFamily="34" charset="-122"/>
-                <a:ea typeface="微软雅黑" panose="020B0503020204020204" pitchFamily="34" charset="-122"/>
-              </a:rPr>
-              <a:t>为后续伪元素捕捉做铺垫</a:t>
-            </a:r>
-            <a:endParaRPr lang="zh-CN" altLang="en-US" sz="1400" dirty="0">
-              <a:latin typeface="微软雅黑" panose="020B0503020204020204" pitchFamily="34" charset="-122"/>
-              <a:ea typeface="微软雅黑" panose="020B0503020204020204" pitchFamily="34" charset="-122"/>
-            </a:endParaRPr>
-          </a:p>
-        </p:txBody>
-      </p:sp>
-      <p:sp>
-        <p:nvSpPr>
-          <p:cNvPr id="7" name="圆角矩形标注 6"/>
-          <p:cNvSpPr/>
-          <p:nvPr/>
-        </p:nvSpPr>
-        <p:spPr>
-          <a:xfrm>
-            <a:off x="2694504" y="3728641"/>
-            <a:ext cx="1156692" cy="432048"/>
-          </a:xfrm>
-          <a:prstGeom prst="wedgeRoundRectCallout">
-            <a:avLst>
-              <a:gd name="adj1" fmla="val -25487"/>
-              <a:gd name="adj2" fmla="val -86248"/>
-              <a:gd name="adj3" fmla="val 16667"/>
-            </a:avLst>
-          </a:prstGeom>
-        </p:spPr>
-        <p:style>
-          <a:lnRef idx="2">
-            <a:schemeClr val="accent5"/>
-          </a:lnRef>
-          <a:fillRef idx="1">
-            <a:schemeClr val="lt1"/>
-          </a:fillRef>
-          <a:effectRef idx="0">
-            <a:schemeClr val="accent5"/>
-          </a:effectRef>
-          <a:fontRef idx="minor">
-            <a:schemeClr val="dk1"/>
-          </a:fontRef>
-        </p:style>
-        <p:txBody>
-          <a:bodyPr rtlCol="0" anchor="ctr"/>
-          <a:lstStyle/>
-          <a:p>
-            <a:pPr>
-              <a:lnSpc>
-                <a:spcPct val="150000"/>
-              </a:lnSpc>
-            </a:pPr>
-            <a:r>
-              <a:rPr lang="zh-CN" altLang="en-US" sz="1400" dirty="0" smtClean="0">
-                <a:latin typeface="微软雅黑" panose="020B0503020204020204" pitchFamily="34" charset="-122"/>
-                <a:ea typeface="微软雅黑" panose="020B0503020204020204" pitchFamily="34" charset="-122"/>
-              </a:rPr>
-              <a:t>反转的类</a:t>
-            </a:r>
-            <a:endParaRPr lang="zh-CN" altLang="en-US" sz="1400" dirty="0">
-              <a:latin typeface="微软雅黑" panose="020B0503020204020204" pitchFamily="34" charset="-122"/>
-              <a:ea typeface="微软雅黑" panose="020B0503020204020204" pitchFamily="34" charset="-122"/>
-            </a:endParaRPr>
-          </a:p>
-        </p:txBody>
-      </p:sp>
-      <p:sp>
-        <p:nvSpPr>
-          <p:cNvPr id="8" name="圆角矩形标注 7"/>
-          <p:cNvSpPr/>
-          <p:nvPr/>
-        </p:nvSpPr>
-        <p:spPr>
-          <a:xfrm>
-            <a:off x="6600446" y="3718739"/>
-            <a:ext cx="972108" cy="425003"/>
-          </a:xfrm>
-          <a:prstGeom prst="wedgeRoundRectCallout">
-            <a:avLst>
-              <a:gd name="adj1" fmla="val -28317"/>
-              <a:gd name="adj2" fmla="val -73230"/>
-              <a:gd name="adj3" fmla="val 16667"/>
-            </a:avLst>
-          </a:prstGeom>
-        </p:spPr>
-        <p:style>
-          <a:lnRef idx="2">
-            <a:schemeClr val="accent5"/>
-          </a:lnRef>
-          <a:fillRef idx="1">
-            <a:schemeClr val="lt1"/>
-          </a:fillRef>
-          <a:effectRef idx="0">
-            <a:schemeClr val="accent5"/>
-          </a:effectRef>
-          <a:fontRef idx="minor">
-            <a:schemeClr val="dk1"/>
-          </a:fontRef>
-        </p:style>
-        <p:txBody>
-          <a:bodyPr rtlCol="0" anchor="ctr"/>
-          <a:lstStyle/>
-          <a:p>
-            <a:pPr>
-              <a:lnSpc>
-                <a:spcPct val="150000"/>
-              </a:lnSpc>
-            </a:pPr>
-            <a:r>
-              <a:rPr lang="zh-CN" altLang="en-US" sz="1400" dirty="0" smtClean="0">
-                <a:latin typeface="微软雅黑" panose="020B0503020204020204" pitchFamily="34" charset="-122"/>
-                <a:ea typeface="微软雅黑" panose="020B0503020204020204" pitchFamily="34" charset="-122"/>
-              </a:rPr>
-              <a:t>内联元素</a:t>
-            </a:r>
-            <a:endParaRPr lang="zh-CN" altLang="en-US" sz="1400" dirty="0">
-              <a:latin typeface="微软雅黑" panose="020B0503020204020204" pitchFamily="34" charset="-122"/>
-              <a:ea typeface="微软雅黑" panose="020B0503020204020204" pitchFamily="34" charset="-122"/>
-            </a:endParaRPr>
-          </a:p>
-        </p:txBody>
-      </p:sp>
       <p:pic>
         <p:nvPicPr>
-          <p:cNvPr id="3" name="图片 2" descr="屏幕剪辑"/>
+          <p:cNvPr id="12" name="图片 11" descr="屏幕剪辑"/>
           <p:cNvPicPr>
             <a:picLocks noChangeAspect="1"/>
           </p:cNvPicPr>
@@ -7793,63 +7486,182 @@
         </p:blipFill>
         <p:spPr>
           <a:xfrm>
-            <a:off x="971600" y="4156125"/>
-            <a:ext cx="1495634" cy="2029108"/>
+            <a:off x="757452" y="2636912"/>
+            <a:ext cx="4731614" cy="2029492"/>
           </a:xfrm>
           <a:prstGeom prst="rect">
             <a:avLst/>
           </a:prstGeom>
         </p:spPr>
       </p:pic>
-      <p:pic>
-        <p:nvPicPr>
-          <p:cNvPr id="10" name="图片 9" descr="屏幕剪辑"/>
-          <p:cNvPicPr>
-            <a:picLocks noChangeAspect="1"/>
-          </p:cNvPicPr>
+      <p:sp>
+        <p:nvSpPr>
+          <p:cNvPr id="4" name="TextBox 3"/>
+          <p:cNvSpPr txBox="1"/>
           <p:nvPr/>
-        </p:nvPicPr>
-        <p:blipFill rotWithShape="1">
-          <a:blip r:embed="rId4">
-            <a:extLst>
-              <a:ext uri="{28A0092B-C50C-407E-A947-70E740481C1C}">
-                <a14:useLocalDpi xmlns:a14="http://schemas.microsoft.com/office/drawing/2010/main" val="0"/>
-              </a:ext>
-            </a:extLst>
-          </a:blip>
-          <a:srcRect b="67531"/>
-          <a:stretch/>
-        </p:blipFill>
-        <p:spPr>
-          <a:xfrm>
-            <a:off x="2843808" y="4814975"/>
-            <a:ext cx="4124901" cy="711408"/>
+        </p:nvSpPr>
+        <p:spPr>
+          <a:xfrm>
+            <a:off x="467544" y="476672"/>
+            <a:ext cx="7200800" cy="662554"/>
           </a:xfrm>
           <a:prstGeom prst="rect">
             <a:avLst/>
           </a:prstGeom>
-          <a:ln>
-            <a:noFill/>
-          </a:ln>
-          <a:effectLst>
-            <a:outerShdw blurRad="292100" dist="139700" dir="2700000" algn="tl" rotWithShape="0">
-              <a:srgbClr val="333333">
-                <a:alpha val="65000"/>
-              </a:srgbClr>
-            </a:outerShdw>
-          </a:effectLst>
-        </p:spPr>
-      </p:pic>
-      <p:sp>
-        <p:nvSpPr>
-          <p:cNvPr id="11" name="圆角矩形标注 10"/>
+          <a:noFill/>
+        </p:spPr>
+        <p:txBody>
+          <a:bodyPr wrap="square" rtlCol="0">
+            <a:spAutoFit/>
+          </a:bodyPr>
+          <a:lstStyle/>
+          <a:p>
+            <a:pPr>
+              <a:lnSpc>
+                <a:spcPct val="150000"/>
+              </a:lnSpc>
+            </a:pPr>
+            <a:r>
+              <a:rPr lang="en-US" altLang="zh-CN" sz="2800" dirty="0" smtClean="0">
+                <a:solidFill>
+                  <a:schemeClr val="tx1">
+                    <a:lumMod val="75000"/>
+                    <a:lumOff val="25000"/>
+                  </a:schemeClr>
+                </a:solidFill>
+                <a:latin typeface="微软雅黑" pitchFamily="34" charset="-122"/>
+                <a:ea typeface="微软雅黑" pitchFamily="34" charset="-122"/>
+              </a:rPr>
+              <a:t>3.</a:t>
+            </a:r>
+            <a:r>
+              <a:rPr lang="zh-CN" altLang="en-US" sz="2800" dirty="0" smtClean="0">
+                <a:solidFill>
+                  <a:schemeClr val="tx1">
+                    <a:lumMod val="75000"/>
+                    <a:lumOff val="25000"/>
+                  </a:schemeClr>
+                </a:solidFill>
+                <a:latin typeface="微软雅黑" pitchFamily="34" charset="-122"/>
+                <a:ea typeface="微软雅黑" pitchFamily="34" charset="-122"/>
+              </a:rPr>
+              <a:t>引入一个手写字体</a:t>
+            </a:r>
+            <a:endParaRPr lang="zh-CN" altLang="en-US" sz="2800" dirty="0">
+              <a:solidFill>
+                <a:schemeClr val="tx1">
+                  <a:lumMod val="75000"/>
+                  <a:lumOff val="25000"/>
+                </a:schemeClr>
+              </a:solidFill>
+              <a:latin typeface="微软雅黑" pitchFamily="34" charset="-122"/>
+              <a:ea typeface="微软雅黑" pitchFamily="34" charset="-122"/>
+            </a:endParaRPr>
+          </a:p>
+        </p:txBody>
+      </p:sp>
+      <p:sp>
+        <p:nvSpPr>
+          <p:cNvPr id="5" name="TextBox 4"/>
+          <p:cNvSpPr txBox="1"/>
+          <p:nvPr/>
+        </p:nvSpPr>
+        <p:spPr>
+          <a:xfrm>
+            <a:off x="621565" y="1365540"/>
+            <a:ext cx="7488832" cy="1135054"/>
+          </a:xfrm>
+          <a:prstGeom prst="rect">
+            <a:avLst/>
+          </a:prstGeom>
+          <a:noFill/>
+        </p:spPr>
+        <p:txBody>
+          <a:bodyPr wrap="square" rtlCol="0">
+            <a:spAutoFit/>
+          </a:bodyPr>
+          <a:lstStyle/>
+          <a:p>
+            <a:pPr>
+              <a:lnSpc>
+                <a:spcPct val="150000"/>
+              </a:lnSpc>
+            </a:pPr>
+            <a:r>
+              <a:rPr lang="zh-CN" altLang="en-US" sz="2400" dirty="0" smtClean="0">
+                <a:solidFill>
+                  <a:schemeClr val="tx1">
+                    <a:lumMod val="75000"/>
+                    <a:lumOff val="25000"/>
+                  </a:schemeClr>
+                </a:solidFill>
+                <a:latin typeface="微软雅黑" pitchFamily="34" charset="-122"/>
+                <a:ea typeface="微软雅黑" pitchFamily="34" charset="-122"/>
+              </a:rPr>
+              <a:t>我们想要霓虹灯的字体看起来更像手写体，所以引入一个自己想要的字体“</a:t>
+            </a:r>
+            <a:r>
+              <a:rPr lang="en-US" altLang="zh-CN" sz="2400" dirty="0" err="1">
+                <a:solidFill>
+                  <a:schemeClr val="tx1">
+                    <a:lumMod val="75000"/>
+                    <a:lumOff val="25000"/>
+                  </a:schemeClr>
+                </a:solidFill>
+                <a:latin typeface="微软雅黑" pitchFamily="34" charset="-122"/>
+                <a:ea typeface="微软雅黑" pitchFamily="34" charset="-122"/>
+              </a:rPr>
+              <a:t>Pacifico</a:t>
+            </a:r>
+            <a:r>
+              <a:rPr lang="zh-CN" altLang="en-US" sz="2400" dirty="0" smtClean="0">
+                <a:solidFill>
+                  <a:schemeClr val="tx1">
+                    <a:lumMod val="75000"/>
+                    <a:lumOff val="25000"/>
+                  </a:schemeClr>
+                </a:solidFill>
+                <a:latin typeface="微软雅黑" pitchFamily="34" charset="-122"/>
+                <a:ea typeface="微软雅黑" pitchFamily="34" charset="-122"/>
+              </a:rPr>
+              <a:t>”</a:t>
+            </a:r>
+            <a:r>
+              <a:rPr lang="zh-CN" altLang="en-US" sz="2400" dirty="0">
+                <a:solidFill>
+                  <a:schemeClr val="tx1">
+                    <a:lumMod val="75000"/>
+                    <a:lumOff val="25000"/>
+                  </a:schemeClr>
+                </a:solidFill>
+                <a:latin typeface="微软雅黑" pitchFamily="34" charset="-122"/>
+                <a:ea typeface="微软雅黑" pitchFamily="34" charset="-122"/>
+              </a:rPr>
+              <a:t>。</a:t>
+            </a:r>
+            <a:endParaRPr lang="en-US" altLang="zh-CN" sz="2400" dirty="0" smtClean="0">
+              <a:solidFill>
+                <a:schemeClr val="tx1">
+                  <a:lumMod val="75000"/>
+                  <a:lumOff val="25000"/>
+                </a:schemeClr>
+              </a:solidFill>
+              <a:latin typeface="微软雅黑" pitchFamily="34" charset="-122"/>
+              <a:ea typeface="微软雅黑" pitchFamily="34" charset="-122"/>
+            </a:endParaRPr>
+          </a:p>
+        </p:txBody>
+      </p:sp>
+      <p:sp>
+        <p:nvSpPr>
+          <p:cNvPr id="7" name="圆角矩形标注 6"/>
           <p:cNvSpPr/>
           <p:nvPr/>
         </p:nvSpPr>
         <p:spPr>
           <a:xfrm>
-            <a:off x="3636907" y="5753185"/>
-            <a:ext cx="1156692" cy="432048"/>
+            <a:off x="2060552" y="4313855"/>
+            <a:ext cx="3735584" cy="483297"/>
           </a:xfrm>
           <a:prstGeom prst="wedgeRoundRectCallout">
             <a:avLst>
@@ -7883,13 +7695,139 @@
               </a:lnSpc>
             </a:pPr>
             <a:r>
-              <a:rPr lang="zh-CN" altLang="en-US" sz="1400" dirty="0" smtClean="0">
+              <a:rPr lang="zh-CN" altLang="en-US" sz="2000" dirty="0" smtClean="0">
                 <a:latin typeface="微软雅黑" panose="020B0503020204020204" pitchFamily="34" charset="-122"/>
                 <a:ea typeface="微软雅黑" panose="020B0503020204020204" pitchFamily="34" charset="-122"/>
               </a:rPr>
-              <a:t>文本样式</a:t>
-            </a:r>
-            <a:endParaRPr lang="zh-CN" altLang="en-US" sz="1400" dirty="0">
+              <a:t>下载字体文件，放入工程目录</a:t>
+            </a:r>
+            <a:endParaRPr lang="zh-CN" altLang="en-US" sz="2000" dirty="0">
+              <a:latin typeface="微软雅黑" panose="020B0503020204020204" pitchFamily="34" charset="-122"/>
+              <a:ea typeface="微软雅黑" panose="020B0503020204020204" pitchFamily="34" charset="-122"/>
+            </a:endParaRPr>
+          </a:p>
+        </p:txBody>
+      </p:sp>
+      <p:sp>
+        <p:nvSpPr>
+          <p:cNvPr id="11" name="圆角矩形标注 10"/>
+          <p:cNvSpPr/>
+          <p:nvPr/>
+        </p:nvSpPr>
+        <p:spPr>
+          <a:xfrm>
+            <a:off x="4644008" y="5268331"/>
+            <a:ext cx="2736304" cy="432048"/>
+          </a:xfrm>
+          <a:prstGeom prst="wedgeRoundRectCallout">
+            <a:avLst>
+              <a:gd name="adj1" fmla="val -60978"/>
+              <a:gd name="adj2" fmla="val 42803"/>
+              <a:gd name="adj3" fmla="val 16667"/>
+            </a:avLst>
+          </a:prstGeom>
+        </p:spPr>
+        <p:style>
+          <a:lnRef idx="2">
+            <a:schemeClr val="accent5"/>
+          </a:lnRef>
+          <a:fillRef idx="1">
+            <a:schemeClr val="lt1"/>
+          </a:fillRef>
+          <a:effectRef idx="0">
+            <a:schemeClr val="accent5"/>
+          </a:effectRef>
+          <a:fontRef idx="minor">
+            <a:schemeClr val="dk1"/>
+          </a:fontRef>
+        </p:style>
+        <p:txBody>
+          <a:bodyPr rtlCol="0" anchor="ctr"/>
+          <a:lstStyle/>
+          <a:p>
+            <a:pPr>
+              <a:lnSpc>
+                <a:spcPct val="150000"/>
+              </a:lnSpc>
+            </a:pPr>
+            <a:r>
+              <a:rPr lang="en-US" altLang="zh-CN" sz="2000" dirty="0" smtClean="0">
+                <a:latin typeface="微软雅黑" panose="020B0503020204020204" pitchFamily="34" charset="-122"/>
+                <a:ea typeface="微软雅黑" panose="020B0503020204020204" pitchFamily="34" charset="-122"/>
+              </a:rPr>
+              <a:t>CSS</a:t>
+            </a:r>
+            <a:r>
+              <a:rPr lang="zh-CN" altLang="en-US" sz="2000" dirty="0" smtClean="0">
+                <a:latin typeface="微软雅黑" panose="020B0503020204020204" pitchFamily="34" charset="-122"/>
+                <a:ea typeface="微软雅黑" panose="020B0503020204020204" pitchFamily="34" charset="-122"/>
+              </a:rPr>
+              <a:t>中引入该动态字体</a:t>
+            </a:r>
+            <a:endParaRPr lang="zh-CN" altLang="en-US" sz="2000" dirty="0">
+              <a:latin typeface="微软雅黑" panose="020B0503020204020204" pitchFamily="34" charset="-122"/>
+              <a:ea typeface="微软雅黑" panose="020B0503020204020204" pitchFamily="34" charset="-122"/>
+            </a:endParaRPr>
+          </a:p>
+        </p:txBody>
+      </p:sp>
+      <p:sp>
+        <p:nvSpPr>
+          <p:cNvPr id="14" name="圆角矩形标注 13"/>
+          <p:cNvSpPr/>
+          <p:nvPr/>
+        </p:nvSpPr>
+        <p:spPr>
+          <a:xfrm>
+            <a:off x="4644008" y="5941407"/>
+            <a:ext cx="1856778" cy="432048"/>
+          </a:xfrm>
+          <a:prstGeom prst="wedgeRoundRectCallout">
+            <a:avLst>
+              <a:gd name="adj1" fmla="val -65141"/>
+              <a:gd name="adj2" fmla="val 11831"/>
+              <a:gd name="adj3" fmla="val 16667"/>
+            </a:avLst>
+          </a:prstGeom>
+        </p:spPr>
+        <p:style>
+          <a:lnRef idx="2">
+            <a:schemeClr val="accent5"/>
+          </a:lnRef>
+          <a:fillRef idx="1">
+            <a:schemeClr val="lt1"/>
+          </a:fillRef>
+          <a:effectRef idx="0">
+            <a:schemeClr val="accent5"/>
+          </a:effectRef>
+          <a:fontRef idx="minor">
+            <a:schemeClr val="dk1"/>
+          </a:fontRef>
+        </p:style>
+        <p:txBody>
+          <a:bodyPr rtlCol="0" anchor="ctr"/>
+          <a:lstStyle/>
+          <a:p>
+            <a:pPr>
+              <a:lnSpc>
+                <a:spcPct val="150000"/>
+              </a:lnSpc>
+            </a:pPr>
+            <a:r>
+              <a:rPr lang="zh-CN" altLang="en-US" sz="2000" dirty="0" smtClean="0">
+                <a:latin typeface="微软雅黑" panose="020B0503020204020204" pitchFamily="34" charset="-122"/>
+                <a:ea typeface="微软雅黑" panose="020B0503020204020204" pitchFamily="34" charset="-122"/>
+              </a:rPr>
+              <a:t>制定字体的</a:t>
+            </a:r>
+            <a:r>
+              <a:rPr lang="en-US" altLang="zh-CN" sz="2000" dirty="0" err="1" smtClean="0">
+                <a:latin typeface="微软雅黑" panose="020B0503020204020204" pitchFamily="34" charset="-122"/>
+                <a:ea typeface="微软雅黑" panose="020B0503020204020204" pitchFamily="34" charset="-122"/>
+              </a:rPr>
+              <a:t>url</a:t>
+            </a:r>
+            <a:endParaRPr lang="zh-CN" altLang="en-US" sz="2000" dirty="0">
               <a:latin typeface="微软雅黑" panose="020B0503020204020204" pitchFamily="34" charset="-122"/>
               <a:ea typeface="微软雅黑" panose="020B0503020204020204" pitchFamily="34" charset="-122"/>
             </a:endParaRPr>
@@ -7935,7 +7873,7 @@
       </p:grpSpPr>
       <p:pic>
         <p:nvPicPr>
-          <p:cNvPr id="3" name="图片 2" descr="屏幕剪辑"/>
+          <p:cNvPr id="2" name="图片 1" descr="屏幕剪辑"/>
           <p:cNvPicPr>
             <a:picLocks noChangeAspect="1"/>
           </p:cNvPicPr>
@@ -7943,23 +7881,7 @@
         </p:nvPicPr>
         <p:blipFill>
           <a:blip r:embed="rId2">
-            <a:duotone>
-              <a:prstClr val="black"/>
-              <a:schemeClr val="accent6">
-                <a:tint val="45000"/>
-                <a:satMod val="400000"/>
-              </a:schemeClr>
-            </a:duotone>
             <a:extLst>
-              <a:ext uri="{BEBA8EAE-BF5A-486C-A8C5-ECC9F3942E4B}">
-                <a14:imgProps xmlns:a14="http://schemas.microsoft.com/office/drawing/2010/main">
-                  <a14:imgLayer r:embed="rId3">
-                    <a14:imgEffect>
-                      <a14:artisticGlowEdges/>
-                    </a14:imgEffect>
-                  </a14:imgLayer>
-                </a14:imgProps>
-              </a:ext>
               <a:ext uri="{28A0092B-C50C-407E-A947-70E740481C1C}">
                 <a14:useLocalDpi xmlns:a14="http://schemas.microsoft.com/office/drawing/2010/main" val="0"/>
               </a:ext>
@@ -7971,33 +7893,227 @@
         </p:blipFill>
         <p:spPr>
           <a:xfrm>
-            <a:off x="1954487" y="2780928"/>
-            <a:ext cx="1495634" cy="2029108"/>
+            <a:off x="841233" y="1484784"/>
+            <a:ext cx="3458058" cy="409632"/>
           </a:xfrm>
           <a:prstGeom prst="rect">
             <a:avLst/>
           </a:prstGeom>
-          <a:scene3d>
-            <a:camera prst="isometricOffAxis2Top"/>
-            <a:lightRig rig="threePt" dir="t"/>
-          </a:scene3d>
+          <a:ln>
+            <a:noFill/>
+          </a:ln>
+          <a:effectLst>
+            <a:outerShdw blurRad="292100" dist="139700" dir="2700000" algn="tl" rotWithShape="0">
+              <a:srgbClr val="333333">
+                <a:alpha val="65000"/>
+              </a:srgbClr>
+            </a:outerShdw>
+          </a:effectLst>
         </p:spPr>
       </p:pic>
       <p:sp>
         <p:nvSpPr>
-          <p:cNvPr id="11" name="圆角矩形标注 10"/>
+          <p:cNvPr id="4" name="TextBox 3"/>
+          <p:cNvSpPr txBox="1"/>
+          <p:nvPr/>
+        </p:nvSpPr>
+        <p:spPr>
+          <a:xfrm>
+            <a:off x="467544" y="476672"/>
+            <a:ext cx="7200800" cy="662554"/>
+          </a:xfrm>
+          <a:prstGeom prst="rect">
+            <a:avLst/>
+          </a:prstGeom>
+          <a:noFill/>
+        </p:spPr>
+        <p:txBody>
+          <a:bodyPr wrap="square" rtlCol="0">
+            <a:spAutoFit/>
+          </a:bodyPr>
+          <a:lstStyle/>
+          <a:p>
+            <a:pPr>
+              <a:lnSpc>
+                <a:spcPct val="150000"/>
+              </a:lnSpc>
+            </a:pPr>
+            <a:r>
+              <a:rPr lang="en-US" altLang="zh-CN" sz="2800" dirty="0" smtClean="0">
+                <a:solidFill>
+                  <a:schemeClr val="tx1">
+                    <a:lumMod val="75000"/>
+                    <a:lumOff val="25000"/>
+                  </a:schemeClr>
+                </a:solidFill>
+                <a:latin typeface="微软雅黑" pitchFamily="34" charset="-122"/>
+                <a:ea typeface="微软雅黑" pitchFamily="34" charset="-122"/>
+              </a:rPr>
+              <a:t>4.</a:t>
+            </a:r>
+            <a:r>
+              <a:rPr lang="zh-CN" altLang="en-US" sz="2800" dirty="0" smtClean="0">
+                <a:solidFill>
+                  <a:schemeClr val="tx1">
+                    <a:lumMod val="75000"/>
+                    <a:lumOff val="25000"/>
+                  </a:schemeClr>
+                </a:solidFill>
+                <a:latin typeface="微软雅黑" pitchFamily="34" charset="-122"/>
+                <a:ea typeface="微软雅黑" pitchFamily="34" charset="-122"/>
+              </a:rPr>
+              <a:t>霓虹灯的样式</a:t>
+            </a:r>
+            <a:endParaRPr lang="zh-CN" altLang="en-US" sz="2800" dirty="0">
+              <a:solidFill>
+                <a:schemeClr val="tx1">
+                  <a:lumMod val="75000"/>
+                  <a:lumOff val="25000"/>
+                </a:schemeClr>
+              </a:solidFill>
+              <a:latin typeface="微软雅黑" pitchFamily="34" charset="-122"/>
+              <a:ea typeface="微软雅黑" pitchFamily="34" charset="-122"/>
+            </a:endParaRPr>
+          </a:p>
+        </p:txBody>
+      </p:sp>
+      <p:sp>
+        <p:nvSpPr>
+          <p:cNvPr id="5" name="TextBox 4"/>
+          <p:cNvSpPr txBox="1"/>
+          <p:nvPr/>
+        </p:nvSpPr>
+        <p:spPr>
+          <a:xfrm>
+            <a:off x="827584" y="5013176"/>
+            <a:ext cx="7992888" cy="874407"/>
+          </a:xfrm>
+          <a:prstGeom prst="rect">
+            <a:avLst/>
+          </a:prstGeom>
+          <a:noFill/>
+        </p:spPr>
+        <p:txBody>
+          <a:bodyPr wrap="square" rtlCol="0">
+            <a:spAutoFit/>
+          </a:bodyPr>
+          <a:lstStyle/>
+          <a:p>
+            <a:pPr>
+              <a:lnSpc>
+                <a:spcPct val="150000"/>
+              </a:lnSpc>
+            </a:pPr>
+            <a:r>
+              <a:rPr lang="zh-CN" altLang="en-US" dirty="0" smtClean="0">
+                <a:solidFill>
+                  <a:schemeClr val="tx1">
+                    <a:lumMod val="75000"/>
+                    <a:lumOff val="25000"/>
+                  </a:schemeClr>
+                </a:solidFill>
+                <a:latin typeface="微软雅黑" pitchFamily="34" charset="-122"/>
+                <a:ea typeface="微软雅黑" pitchFamily="34" charset="-122"/>
+              </a:rPr>
+              <a:t>我们需要为每个字母设置</a:t>
+            </a:r>
+            <a:r>
+              <a:rPr lang="en-US" altLang="zh-CN" dirty="0" smtClean="0">
+                <a:solidFill>
+                  <a:schemeClr val="tx1">
+                    <a:lumMod val="75000"/>
+                    <a:lumOff val="25000"/>
+                  </a:schemeClr>
+                </a:solidFill>
+                <a:latin typeface="微软雅黑" pitchFamily="34" charset="-122"/>
+                <a:ea typeface="微软雅黑" pitchFamily="34" charset="-122"/>
+              </a:rPr>
+              <a:t>3</a:t>
+            </a:r>
+            <a:r>
+              <a:rPr lang="zh-CN" altLang="en-US" dirty="0" smtClean="0">
+                <a:solidFill>
+                  <a:schemeClr val="tx1">
+                    <a:lumMod val="75000"/>
+                    <a:lumOff val="25000"/>
+                  </a:schemeClr>
+                </a:solidFill>
+                <a:latin typeface="微软雅黑" pitchFamily="34" charset="-122"/>
+                <a:ea typeface="微软雅黑" pitchFamily="34" charset="-122"/>
+              </a:rPr>
+              <a:t>层，一层翻折，一层是镂空部分，一层是投影。</a:t>
+            </a:r>
+            <a:endParaRPr lang="en-US" altLang="zh-CN" dirty="0" smtClean="0">
+              <a:solidFill>
+                <a:schemeClr val="tx1">
+                  <a:lumMod val="75000"/>
+                  <a:lumOff val="25000"/>
+                </a:schemeClr>
+              </a:solidFill>
+              <a:latin typeface="微软雅黑" pitchFamily="34" charset="-122"/>
+              <a:ea typeface="微软雅黑" pitchFamily="34" charset="-122"/>
+            </a:endParaRPr>
+          </a:p>
+          <a:p>
+            <a:pPr>
+              <a:lnSpc>
+                <a:spcPct val="150000"/>
+              </a:lnSpc>
+            </a:pPr>
+            <a:r>
+              <a:rPr lang="en-US" altLang="zh-CN" dirty="0" smtClean="0">
+                <a:solidFill>
+                  <a:schemeClr val="tx1">
+                    <a:lumMod val="75000"/>
+                    <a:lumOff val="25000"/>
+                  </a:schemeClr>
+                </a:solidFill>
+                <a:latin typeface="微软雅黑" pitchFamily="34" charset="-122"/>
+                <a:ea typeface="微软雅黑" pitchFamily="34" charset="-122"/>
+              </a:rPr>
+              <a:t>3</a:t>
+            </a:r>
+            <a:r>
+              <a:rPr lang="zh-CN" altLang="en-US" dirty="0" smtClean="0">
+                <a:solidFill>
+                  <a:schemeClr val="tx1">
+                    <a:lumMod val="75000"/>
+                    <a:lumOff val="25000"/>
+                  </a:schemeClr>
+                </a:solidFill>
+                <a:latin typeface="微软雅黑" pitchFamily="34" charset="-122"/>
+                <a:ea typeface="微软雅黑" pitchFamily="34" charset="-122"/>
+              </a:rPr>
+              <a:t>层字母需要完全重合，所以绝对定位即可！</a:t>
+            </a:r>
+            <a:endParaRPr lang="en-US" altLang="zh-CN" dirty="0" smtClean="0">
+              <a:solidFill>
+                <a:schemeClr val="tx1">
+                  <a:lumMod val="75000"/>
+                  <a:lumOff val="25000"/>
+                </a:schemeClr>
+              </a:solidFill>
+              <a:latin typeface="微软雅黑" pitchFamily="34" charset="-122"/>
+              <a:ea typeface="微软雅黑" pitchFamily="34" charset="-122"/>
+            </a:endParaRPr>
+          </a:p>
+        </p:txBody>
+      </p:sp>
+      <p:sp>
+        <p:nvSpPr>
+          <p:cNvPr id="7" name="圆角矩形标注 6"/>
           <p:cNvSpPr/>
           <p:nvPr/>
         </p:nvSpPr>
         <p:spPr>
           <a:xfrm>
-            <a:off x="4041447" y="3585900"/>
-            <a:ext cx="2272817" cy="432048"/>
+            <a:off x="4716016" y="859113"/>
+            <a:ext cx="3168352" cy="1351561"/>
           </a:xfrm>
           <a:prstGeom prst="wedgeRoundRectCallout">
             <a:avLst>
-              <a:gd name="adj1" fmla="val -65978"/>
-              <a:gd name="adj2" fmla="val 14412"/>
+              <a:gd name="adj1" fmla="val -64049"/>
+              <a:gd name="adj2" fmla="val 9249"/>
               <a:gd name="adj3" fmla="val 16667"/>
             </a:avLst>
           </a:prstGeom>
@@ -8026,425 +8142,13 @@
               </a:lnSpc>
             </a:pPr>
             <a:r>
-              <a:rPr lang="zh-CN" altLang="en-US" sz="1400" dirty="0" smtClean="0">
+              <a:rPr lang="zh-CN" altLang="en-US" sz="2000" dirty="0" smtClean="0">
                 <a:latin typeface="微软雅黑" panose="020B0503020204020204" pitchFamily="34" charset="-122"/>
                 <a:ea typeface="微软雅黑" panose="020B0503020204020204" pitchFamily="34" charset="-122"/>
               </a:rPr>
-              <a:t>镂空部分用文本本身实现</a:t>
-            </a:r>
-            <a:endParaRPr lang="zh-CN" altLang="en-US" sz="1400" dirty="0">
-              <a:latin typeface="微软雅黑" panose="020B0503020204020204" pitchFamily="34" charset="-122"/>
-              <a:ea typeface="微软雅黑" panose="020B0503020204020204" pitchFamily="34" charset="-122"/>
-            </a:endParaRPr>
-          </a:p>
-        </p:txBody>
-      </p:sp>
-      <p:pic>
-        <p:nvPicPr>
-          <p:cNvPr id="16" name="图片 15" descr="屏幕剪辑"/>
-          <p:cNvPicPr>
-            <a:picLocks noChangeAspect="1"/>
-          </p:cNvPicPr>
-          <p:nvPr/>
-        </p:nvPicPr>
-        <p:blipFill>
-          <a:blip r:embed="rId4">
-            <a:duotone>
-              <a:prstClr val="black"/>
-              <a:schemeClr val="tx2">
-                <a:tint val="45000"/>
-                <a:satMod val="400000"/>
-              </a:schemeClr>
-            </a:duotone>
-            <a:extLst>
-              <a:ext uri="{BEBA8EAE-BF5A-486C-A8C5-ECC9F3942E4B}">
-                <a14:imgProps xmlns:a14="http://schemas.microsoft.com/office/drawing/2010/main">
-                  <a14:imgLayer r:embed="rId3">
-                    <a14:imgEffect>
-                      <a14:artisticBlur/>
-                    </a14:imgEffect>
-                  </a14:imgLayer>
-                </a14:imgProps>
-              </a:ext>
-              <a:ext uri="{28A0092B-C50C-407E-A947-70E740481C1C}">
-                <a14:useLocalDpi xmlns:a14="http://schemas.microsoft.com/office/drawing/2010/main" val="0"/>
-              </a:ext>
-            </a:extLst>
-          </a:blip>
-          <a:stretch>
-            <a:fillRect/>
-          </a:stretch>
-        </p:blipFill>
-        <p:spPr>
-          <a:xfrm>
-            <a:off x="1954487" y="2348880"/>
-            <a:ext cx="1495634" cy="2029108"/>
-          </a:xfrm>
-          <a:prstGeom prst="rect">
-            <a:avLst/>
-          </a:prstGeom>
-          <a:scene3d>
-            <a:camera prst="isometricOffAxis2Top"/>
-            <a:lightRig rig="threePt" dir="t"/>
-          </a:scene3d>
-        </p:spPr>
-      </p:pic>
-      <p:sp>
-        <p:nvSpPr>
-          <p:cNvPr id="4" name="TextBox 3"/>
-          <p:cNvSpPr txBox="1"/>
-          <p:nvPr/>
-        </p:nvSpPr>
-        <p:spPr>
-          <a:xfrm>
-            <a:off x="467544" y="476672"/>
-            <a:ext cx="7200800" cy="662554"/>
-          </a:xfrm>
-          <a:prstGeom prst="rect">
-            <a:avLst/>
-          </a:prstGeom>
-          <a:noFill/>
-        </p:spPr>
-        <p:txBody>
-          <a:bodyPr wrap="square" rtlCol="0">
-            <a:spAutoFit/>
-          </a:bodyPr>
-          <a:lstStyle/>
-          <a:p>
-            <a:pPr>
-              <a:lnSpc>
-                <a:spcPct val="150000"/>
-              </a:lnSpc>
-            </a:pPr>
-            <a:r>
-              <a:rPr lang="en-US" altLang="zh-CN" sz="2800" dirty="0" smtClean="0">
-                <a:solidFill>
-                  <a:schemeClr val="tx1">
-                    <a:lumMod val="75000"/>
-                    <a:lumOff val="25000"/>
-                  </a:schemeClr>
-                </a:solidFill>
-                <a:latin typeface="微软雅黑" pitchFamily="34" charset="-122"/>
-                <a:ea typeface="微软雅黑" pitchFamily="34" charset="-122"/>
-              </a:rPr>
-              <a:t>4.</a:t>
-            </a:r>
-            <a:r>
-              <a:rPr lang="zh-CN" altLang="en-US" sz="2800" dirty="0" smtClean="0">
-                <a:solidFill>
-                  <a:schemeClr val="tx1">
-                    <a:lumMod val="75000"/>
-                    <a:lumOff val="25000"/>
-                  </a:schemeClr>
-                </a:solidFill>
-                <a:latin typeface="微软雅黑" pitchFamily="34" charset="-122"/>
-                <a:ea typeface="微软雅黑" pitchFamily="34" charset="-122"/>
-              </a:rPr>
-              <a:t>添加投影和翻折部分的伪元素</a:t>
-            </a:r>
-            <a:endParaRPr lang="zh-CN" altLang="en-US" sz="2800" dirty="0">
-              <a:solidFill>
-                <a:schemeClr val="tx1">
-                  <a:lumMod val="75000"/>
-                  <a:lumOff val="25000"/>
-                </a:schemeClr>
-              </a:solidFill>
-              <a:latin typeface="微软雅黑" pitchFamily="34" charset="-122"/>
-              <a:ea typeface="微软雅黑" pitchFamily="34" charset="-122"/>
-            </a:endParaRPr>
-          </a:p>
-        </p:txBody>
-      </p:sp>
-      <p:sp>
-        <p:nvSpPr>
-          <p:cNvPr id="5" name="TextBox 4"/>
-          <p:cNvSpPr txBox="1"/>
-          <p:nvPr/>
-        </p:nvSpPr>
-        <p:spPr>
-          <a:xfrm>
-            <a:off x="467544" y="1379721"/>
-            <a:ext cx="7992888" cy="874407"/>
-          </a:xfrm>
-          <a:prstGeom prst="rect">
-            <a:avLst/>
-          </a:prstGeom>
-          <a:noFill/>
-        </p:spPr>
-        <p:txBody>
-          <a:bodyPr wrap="square" rtlCol="0">
-            <a:spAutoFit/>
-          </a:bodyPr>
-          <a:lstStyle/>
-          <a:p>
-            <a:pPr>
-              <a:lnSpc>
-                <a:spcPct val="150000"/>
-              </a:lnSpc>
-            </a:pPr>
-            <a:r>
-              <a:rPr lang="zh-CN" altLang="en-US" dirty="0" smtClean="0">
-                <a:solidFill>
-                  <a:schemeClr val="tx1">
-                    <a:lumMod val="75000"/>
-                    <a:lumOff val="25000"/>
-                  </a:schemeClr>
-                </a:solidFill>
-                <a:latin typeface="微软雅黑" pitchFamily="34" charset="-122"/>
-                <a:ea typeface="微软雅黑" pitchFamily="34" charset="-122"/>
-              </a:rPr>
-              <a:t>我们需要为每个字母设置</a:t>
-            </a:r>
-            <a:r>
-              <a:rPr lang="en-US" altLang="zh-CN" dirty="0" smtClean="0">
-                <a:solidFill>
-                  <a:schemeClr val="tx1">
-                    <a:lumMod val="75000"/>
-                    <a:lumOff val="25000"/>
-                  </a:schemeClr>
-                </a:solidFill>
-                <a:latin typeface="微软雅黑" pitchFamily="34" charset="-122"/>
-                <a:ea typeface="微软雅黑" pitchFamily="34" charset="-122"/>
-              </a:rPr>
-              <a:t>3</a:t>
-            </a:r>
-            <a:r>
-              <a:rPr lang="zh-CN" altLang="en-US" dirty="0" smtClean="0">
-                <a:solidFill>
-                  <a:schemeClr val="tx1">
-                    <a:lumMod val="75000"/>
-                    <a:lumOff val="25000"/>
-                  </a:schemeClr>
-                </a:solidFill>
-                <a:latin typeface="微软雅黑" pitchFamily="34" charset="-122"/>
-                <a:ea typeface="微软雅黑" pitchFamily="34" charset="-122"/>
-              </a:rPr>
-              <a:t>层，一层翻折，一层是镂空部分，一层是投影。</a:t>
-            </a:r>
-            <a:endParaRPr lang="en-US" altLang="zh-CN" dirty="0" smtClean="0">
-              <a:solidFill>
-                <a:schemeClr val="tx1">
-                  <a:lumMod val="75000"/>
-                  <a:lumOff val="25000"/>
-                </a:schemeClr>
-              </a:solidFill>
-              <a:latin typeface="微软雅黑" pitchFamily="34" charset="-122"/>
-              <a:ea typeface="微软雅黑" pitchFamily="34" charset="-122"/>
-            </a:endParaRPr>
-          </a:p>
-          <a:p>
-            <a:pPr>
-              <a:lnSpc>
-                <a:spcPct val="150000"/>
-              </a:lnSpc>
-            </a:pPr>
-            <a:r>
-              <a:rPr lang="en-US" altLang="zh-CN" dirty="0" smtClean="0">
-                <a:solidFill>
-                  <a:schemeClr val="tx1">
-                    <a:lumMod val="75000"/>
-                    <a:lumOff val="25000"/>
-                  </a:schemeClr>
-                </a:solidFill>
-                <a:latin typeface="微软雅黑" pitchFamily="34" charset="-122"/>
-                <a:ea typeface="微软雅黑" pitchFamily="34" charset="-122"/>
-              </a:rPr>
-              <a:t>3</a:t>
-            </a:r>
-            <a:r>
-              <a:rPr lang="zh-CN" altLang="en-US" dirty="0" smtClean="0">
-                <a:solidFill>
-                  <a:schemeClr val="tx1">
-                    <a:lumMod val="75000"/>
-                    <a:lumOff val="25000"/>
-                  </a:schemeClr>
-                </a:solidFill>
-                <a:latin typeface="微软雅黑" pitchFamily="34" charset="-122"/>
-                <a:ea typeface="微软雅黑" pitchFamily="34" charset="-122"/>
-              </a:rPr>
-              <a:t>层字母需要完全重合，所以绝对定位即可！</a:t>
-            </a:r>
-            <a:endParaRPr lang="en-US" altLang="zh-CN" dirty="0" smtClean="0">
-              <a:solidFill>
-                <a:schemeClr val="tx1">
-                  <a:lumMod val="75000"/>
-                  <a:lumOff val="25000"/>
-                </a:schemeClr>
-              </a:solidFill>
-              <a:latin typeface="微软雅黑" pitchFamily="34" charset="-122"/>
-              <a:ea typeface="微软雅黑" pitchFamily="34" charset="-122"/>
-            </a:endParaRPr>
-          </a:p>
-        </p:txBody>
-      </p:sp>
-      <p:sp>
-        <p:nvSpPr>
-          <p:cNvPr id="7" name="圆角矩形标注 6"/>
-          <p:cNvSpPr/>
-          <p:nvPr/>
-        </p:nvSpPr>
-        <p:spPr>
-          <a:xfrm>
-            <a:off x="4041447" y="2521168"/>
-            <a:ext cx="1735039" cy="432048"/>
-          </a:xfrm>
-          <a:prstGeom prst="wedgeRoundRectCallout">
-            <a:avLst>
-              <a:gd name="adj1" fmla="val -64049"/>
-              <a:gd name="adj2" fmla="val 9249"/>
-              <a:gd name="adj3" fmla="val 16667"/>
-            </a:avLst>
-          </a:prstGeom>
-        </p:spPr>
-        <p:style>
-          <a:lnRef idx="2">
-            <a:schemeClr val="accent5"/>
-          </a:lnRef>
-          <a:fillRef idx="1">
-            <a:schemeClr val="lt1"/>
-          </a:fillRef>
-          <a:effectRef idx="0">
-            <a:schemeClr val="accent5"/>
-          </a:effectRef>
-          <a:fontRef idx="minor">
-            <a:schemeClr val="dk1"/>
-          </a:fontRef>
-        </p:style>
-        <p:txBody>
-          <a:bodyPr rtlCol="0" anchor="ctr"/>
-          <a:lstStyle/>
-          <a:p>
-            <a:pPr>
-              <a:lnSpc>
-                <a:spcPct val="150000"/>
-              </a:lnSpc>
-            </a:pPr>
-            <a:r>
-              <a:rPr lang="zh-CN" altLang="en-US" sz="1400" dirty="0" smtClean="0">
-                <a:latin typeface="微软雅黑" panose="020B0503020204020204" pitchFamily="34" charset="-122"/>
-                <a:ea typeface="微软雅黑" panose="020B0503020204020204" pitchFamily="34" charset="-122"/>
-              </a:rPr>
-              <a:t>翻折部分用</a:t>
-            </a:r>
-            <a:r>
-              <a:rPr lang="en-US" altLang="zh-CN" sz="1400" dirty="0" smtClean="0">
-                <a:latin typeface="微软雅黑" panose="020B0503020204020204" pitchFamily="34" charset="-122"/>
-                <a:ea typeface="微软雅黑" panose="020B0503020204020204" pitchFamily="34" charset="-122"/>
-              </a:rPr>
-              <a:t>before</a:t>
-            </a:r>
-            <a:endParaRPr lang="zh-CN" altLang="en-US" sz="1400" dirty="0">
-              <a:latin typeface="微软雅黑" panose="020B0503020204020204" pitchFamily="34" charset="-122"/>
-              <a:ea typeface="微软雅黑" panose="020B0503020204020204" pitchFamily="34" charset="-122"/>
-            </a:endParaRPr>
-          </a:p>
-        </p:txBody>
-      </p:sp>
-      <p:pic>
-        <p:nvPicPr>
-          <p:cNvPr id="13" name="图片 12" descr="屏幕剪辑"/>
-          <p:cNvPicPr>
-            <a:picLocks noChangeAspect="1"/>
-          </p:cNvPicPr>
-          <p:nvPr/>
-        </p:nvPicPr>
-        <p:blipFill>
-          <a:blip r:embed="rId5">
-            <a:duotone>
-              <a:prstClr val="black"/>
-              <a:schemeClr val="accent5">
-                <a:tint val="45000"/>
-                <a:satMod val="400000"/>
-              </a:schemeClr>
-            </a:duotone>
-            <a:extLst>
-              <a:ext uri="{28A0092B-C50C-407E-A947-70E740481C1C}">
-                <a14:useLocalDpi xmlns:a14="http://schemas.microsoft.com/office/drawing/2010/main" val="0"/>
-              </a:ext>
-            </a:extLst>
-          </a:blip>
-          <a:stretch>
-            <a:fillRect/>
-          </a:stretch>
-        </p:blipFill>
-        <p:spPr>
-          <a:xfrm>
-            <a:off x="1950232" y="1916832"/>
-            <a:ext cx="1495634" cy="2029108"/>
-          </a:xfrm>
-          <a:prstGeom prst="rect">
-            <a:avLst/>
-          </a:prstGeom>
-          <a:scene3d>
-            <a:camera prst="isometricOffAxis2Top"/>
-            <a:lightRig rig="threePt" dir="t"/>
-          </a:scene3d>
-        </p:spPr>
-      </p:pic>
-      <p:sp>
-        <p:nvSpPr>
-          <p:cNvPr id="17" name="圆角矩形标注 16"/>
-          <p:cNvSpPr/>
-          <p:nvPr/>
-        </p:nvSpPr>
-        <p:spPr>
-          <a:xfrm>
-            <a:off x="4061732" y="3081844"/>
-            <a:ext cx="1925204" cy="432048"/>
-          </a:xfrm>
-          <a:prstGeom prst="wedgeRoundRectCallout">
-            <a:avLst>
-              <a:gd name="adj1" fmla="val -65978"/>
-              <a:gd name="adj2" fmla="val 14412"/>
-              <a:gd name="adj3" fmla="val 16667"/>
-            </a:avLst>
-          </a:prstGeom>
-        </p:spPr>
-        <p:style>
-          <a:lnRef idx="2">
-            <a:schemeClr val="accent5"/>
-          </a:lnRef>
-          <a:fillRef idx="1">
-            <a:schemeClr val="lt1"/>
-          </a:fillRef>
-          <a:effectRef idx="0">
-            <a:schemeClr val="accent5"/>
-          </a:effectRef>
-          <a:fontRef idx="minor">
-            <a:schemeClr val="dk1"/>
-          </a:fontRef>
-        </p:style>
-        <p:txBody>
-          <a:bodyPr rtlCol="0" anchor="ctr"/>
-          <a:lstStyle/>
-          <a:p>
-            <a:pPr>
-              <a:lnSpc>
-                <a:spcPct val="150000"/>
-              </a:lnSpc>
-            </a:pPr>
-            <a:r>
-              <a:rPr lang="zh-CN" altLang="en-US" sz="1400" dirty="0" smtClean="0">
-                <a:latin typeface="微软雅黑" panose="020B0503020204020204" pitchFamily="34" charset="-122"/>
-                <a:ea typeface="微软雅黑" panose="020B0503020204020204" pitchFamily="34" charset="-122"/>
-              </a:rPr>
-              <a:t>投影部分用</a:t>
-            </a:r>
-            <a:r>
-              <a:rPr lang="en-US" altLang="zh-CN" sz="1400" dirty="0" smtClean="0">
-                <a:latin typeface="微软雅黑" panose="020B0503020204020204" pitchFamily="34" charset="-122"/>
-                <a:ea typeface="微软雅黑" panose="020B0503020204020204" pitchFamily="34" charset="-122"/>
-              </a:rPr>
-              <a:t>after</a:t>
-            </a:r>
-            <a:r>
-              <a:rPr lang="zh-CN" altLang="en-US" sz="1400" dirty="0" smtClean="0">
-                <a:latin typeface="微软雅黑" panose="020B0503020204020204" pitchFamily="34" charset="-122"/>
-                <a:ea typeface="微软雅黑" panose="020B0503020204020204" pitchFamily="34" charset="-122"/>
-              </a:rPr>
-              <a:t>实现</a:t>
-            </a:r>
-            <a:endParaRPr lang="zh-CN" altLang="en-US" sz="1400" dirty="0">
+              <a:t>霓虹灯的文本非常简单，随意用一个可放置文本的标签即可</a:t>
+            </a:r>
+            <a:endParaRPr lang="zh-CN" altLang="en-US" sz="2000" dirty="0">
               <a:latin typeface="微软雅黑" panose="020B0503020204020204" pitchFamily="34" charset="-122"/>
               <a:ea typeface="微软雅黑" panose="020B0503020204020204" pitchFamily="34" charset="-122"/>
             </a:endParaRPr>
